--- a/presentation/credit.pptx
+++ b/presentation/credit.pptx
@@ -24,6 +24,9 @@
     <p:sldId id="274" r:id="rId18"/>
     <p:sldId id="275" r:id="rId19"/>
     <p:sldId id="276" r:id="rId20"/>
+    <p:sldId id="277" r:id="rId21"/>
+    <p:sldId id="278" r:id="rId22"/>
+    <p:sldId id="279" r:id="rId23"/>
   </p:sldIdLst>
   <p:sldSz cx="12192000" cy="6858000"/>
   <p:notesSz cx="6858000" cy="9144000"/>
@@ -261,7 +264,7 @@
           <a:p>
             <a:fld id="{47FBABC7-F946-4B58-B56F-B35BD43FEC76}" type="datetimeFigureOut">
               <a:rPr lang="ko-KR" altLang="en-US" smtClean="0"/>
-              <a:t>2014-12-01</a:t>
+              <a:t>2014-12-08</a:t>
             </a:fld>
             <a:endParaRPr lang="ko-KR" altLang="en-US"/>
           </a:p>
@@ -323,6 +326,259 @@
 </file>
 
 <file path=ppt/slideLayouts/slideLayout10.xml><?xml version="1.0" encoding="utf-8"?>
+<p:sldLayout xmlns:a="http://schemas.openxmlformats.org/drawingml/2006/main" xmlns:r="http://schemas.openxmlformats.org/officeDocument/2006/relationships" xmlns:p="http://schemas.openxmlformats.org/presentationml/2006/main" type="picTx" preserve="1">
+  <p:cSld name="캡션 있는 그림">
+    <p:spTree>
+      <p:nvGrpSpPr>
+        <p:cNvPr id="1" name=""/>
+        <p:cNvGrpSpPr/>
+        <p:nvPr/>
+      </p:nvGrpSpPr>
+      <p:grpSpPr>
+        <a:xfrm>
+          <a:off x="0" y="0"/>
+          <a:ext cx="0" cy="0"/>
+          <a:chOff x="0" y="0"/>
+          <a:chExt cx="0" cy="0"/>
+        </a:xfrm>
+      </p:grpSpPr>
+      <p:sp>
+        <p:nvSpPr>
+          <p:cNvPr id="2" name="제목 1"/>
+          <p:cNvSpPr>
+            <a:spLocks noGrp="1"/>
+          </p:cNvSpPr>
+          <p:nvPr>
+            <p:ph type="title"/>
+          </p:nvPr>
+        </p:nvSpPr>
+        <p:spPr>
+          <a:xfrm>
+            <a:off x="839788" y="457200"/>
+            <a:ext cx="3932237" cy="1600200"/>
+          </a:xfrm>
+        </p:spPr>
+        <p:txBody>
+          <a:bodyPr anchor="b"/>
+          <a:lstStyle>
+            <a:lvl1pPr>
+              <a:defRPr sz="3200"/>
+            </a:lvl1pPr>
+          </a:lstStyle>
+          <a:p>
+            <a:r>
+              <a:rPr lang="ko-KR" altLang="en-US" smtClean="0"/>
+              <a:t>마스터 제목 스타일 편집</a:t>
+            </a:r>
+            <a:endParaRPr lang="ko-KR" altLang="en-US"/>
+          </a:p>
+        </p:txBody>
+      </p:sp>
+      <p:sp>
+        <p:nvSpPr>
+          <p:cNvPr id="3" name="그림 개체 틀 2"/>
+          <p:cNvSpPr>
+            <a:spLocks noGrp="1"/>
+          </p:cNvSpPr>
+          <p:nvPr>
+            <p:ph type="pic" idx="1"/>
+          </p:nvPr>
+        </p:nvSpPr>
+        <p:spPr>
+          <a:xfrm>
+            <a:off x="5183188" y="987425"/>
+            <a:ext cx="6172200" cy="4873625"/>
+          </a:xfrm>
+        </p:spPr>
+        <p:txBody>
+          <a:bodyPr/>
+          <a:lstStyle>
+            <a:lvl1pPr marL="0" indent="0">
+              <a:buNone/>
+              <a:defRPr sz="3200"/>
+            </a:lvl1pPr>
+            <a:lvl2pPr marL="457200" indent="0">
+              <a:buNone/>
+              <a:defRPr sz="2800"/>
+            </a:lvl2pPr>
+            <a:lvl3pPr marL="914400" indent="0">
+              <a:buNone/>
+              <a:defRPr sz="2400"/>
+            </a:lvl3pPr>
+            <a:lvl4pPr marL="1371600" indent="0">
+              <a:buNone/>
+              <a:defRPr sz="2000"/>
+            </a:lvl4pPr>
+            <a:lvl5pPr marL="1828800" indent="0">
+              <a:buNone/>
+              <a:defRPr sz="2000"/>
+            </a:lvl5pPr>
+            <a:lvl6pPr marL="2286000" indent="0">
+              <a:buNone/>
+              <a:defRPr sz="2000"/>
+            </a:lvl6pPr>
+            <a:lvl7pPr marL="2743200" indent="0">
+              <a:buNone/>
+              <a:defRPr sz="2000"/>
+            </a:lvl7pPr>
+            <a:lvl8pPr marL="3200400" indent="0">
+              <a:buNone/>
+              <a:defRPr sz="2000"/>
+            </a:lvl8pPr>
+            <a:lvl9pPr marL="3657600" indent="0">
+              <a:buNone/>
+              <a:defRPr sz="2000"/>
+            </a:lvl9pPr>
+          </a:lstStyle>
+          <a:p>
+            <a:endParaRPr lang="ko-KR" altLang="en-US"/>
+          </a:p>
+        </p:txBody>
+      </p:sp>
+      <p:sp>
+        <p:nvSpPr>
+          <p:cNvPr id="4" name="텍스트 개체 틀 3"/>
+          <p:cNvSpPr>
+            <a:spLocks noGrp="1"/>
+          </p:cNvSpPr>
+          <p:nvPr>
+            <p:ph type="body" sz="half" idx="2"/>
+          </p:nvPr>
+        </p:nvSpPr>
+        <p:spPr>
+          <a:xfrm>
+            <a:off x="839788" y="2057400"/>
+            <a:ext cx="3932237" cy="3811588"/>
+          </a:xfrm>
+        </p:spPr>
+        <p:txBody>
+          <a:bodyPr/>
+          <a:lstStyle>
+            <a:lvl1pPr marL="0" indent="0">
+              <a:buNone/>
+              <a:defRPr sz="1600"/>
+            </a:lvl1pPr>
+            <a:lvl2pPr marL="457200" indent="0">
+              <a:buNone/>
+              <a:defRPr sz="1400"/>
+            </a:lvl2pPr>
+            <a:lvl3pPr marL="914400" indent="0">
+              <a:buNone/>
+              <a:defRPr sz="1200"/>
+            </a:lvl3pPr>
+            <a:lvl4pPr marL="1371600" indent="0">
+              <a:buNone/>
+              <a:defRPr sz="1000"/>
+            </a:lvl4pPr>
+            <a:lvl5pPr marL="1828800" indent="0">
+              <a:buNone/>
+              <a:defRPr sz="1000"/>
+            </a:lvl5pPr>
+            <a:lvl6pPr marL="2286000" indent="0">
+              <a:buNone/>
+              <a:defRPr sz="1000"/>
+            </a:lvl6pPr>
+            <a:lvl7pPr marL="2743200" indent="0">
+              <a:buNone/>
+              <a:defRPr sz="1000"/>
+            </a:lvl7pPr>
+            <a:lvl8pPr marL="3200400" indent="0">
+              <a:buNone/>
+              <a:defRPr sz="1000"/>
+            </a:lvl8pPr>
+            <a:lvl9pPr marL="3657600" indent="0">
+              <a:buNone/>
+              <a:defRPr sz="1000"/>
+            </a:lvl9pPr>
+          </a:lstStyle>
+          <a:p>
+            <a:pPr lvl="0"/>
+            <a:r>
+              <a:rPr lang="ko-KR" altLang="en-US" smtClean="0"/>
+              <a:t>마스터 텍스트 스타일을 편집합니다</a:t>
+            </a:r>
+          </a:p>
+        </p:txBody>
+      </p:sp>
+      <p:sp>
+        <p:nvSpPr>
+          <p:cNvPr id="5" name="날짜 개체 틀 4"/>
+          <p:cNvSpPr>
+            <a:spLocks noGrp="1"/>
+          </p:cNvSpPr>
+          <p:nvPr>
+            <p:ph type="dt" sz="half" idx="10"/>
+          </p:nvPr>
+        </p:nvSpPr>
+        <p:spPr/>
+        <p:txBody>
+          <a:bodyPr/>
+          <a:lstStyle/>
+          <a:p>
+            <a:fld id="{47FBABC7-F946-4B58-B56F-B35BD43FEC76}" type="datetimeFigureOut">
+              <a:rPr lang="ko-KR" altLang="en-US" smtClean="0"/>
+              <a:t>2014-12-08</a:t>
+            </a:fld>
+            <a:endParaRPr lang="ko-KR" altLang="en-US"/>
+          </a:p>
+        </p:txBody>
+      </p:sp>
+      <p:sp>
+        <p:nvSpPr>
+          <p:cNvPr id="6" name="바닥글 개체 틀 5"/>
+          <p:cNvSpPr>
+            <a:spLocks noGrp="1"/>
+          </p:cNvSpPr>
+          <p:nvPr>
+            <p:ph type="ftr" sz="quarter" idx="11"/>
+          </p:nvPr>
+        </p:nvSpPr>
+        <p:spPr/>
+        <p:txBody>
+          <a:bodyPr/>
+          <a:lstStyle/>
+          <a:p>
+            <a:endParaRPr lang="ko-KR" altLang="en-US"/>
+          </a:p>
+        </p:txBody>
+      </p:sp>
+      <p:sp>
+        <p:nvSpPr>
+          <p:cNvPr id="7" name="슬라이드 번호 개체 틀 6"/>
+          <p:cNvSpPr>
+            <a:spLocks noGrp="1"/>
+          </p:cNvSpPr>
+          <p:nvPr>
+            <p:ph type="sldNum" sz="quarter" idx="12"/>
+          </p:nvPr>
+        </p:nvSpPr>
+        <p:spPr/>
+        <p:txBody>
+          <a:bodyPr/>
+          <a:lstStyle/>
+          <a:p>
+            <a:fld id="{A4D8FBC3-A99B-41B5-A770-2A24FCDABB94}" type="slidenum">
+              <a:rPr lang="ko-KR" altLang="en-US" smtClean="0"/>
+              <a:t>‹#›</a:t>
+            </a:fld>
+            <a:endParaRPr lang="ko-KR" altLang="en-US"/>
+          </a:p>
+        </p:txBody>
+      </p:sp>
+    </p:spTree>
+    <p:extLst>
+      <p:ext uri="{BB962C8B-B14F-4D97-AF65-F5344CB8AC3E}">
+        <p14:creationId xmlns:p14="http://schemas.microsoft.com/office/powerpoint/2010/main" val="3994335765"/>
+      </p:ext>
+    </p:extLst>
+  </p:cSld>
+  <p:clrMapOvr>
+    <a:masterClrMapping/>
+  </p:clrMapOvr>
+</p:sldLayout>
+</file>
+
+<file path=ppt/slideLayouts/slideLayout11.xml><?xml version="1.0" encoding="utf-8"?>
 <p:sldLayout xmlns:a="http://schemas.openxmlformats.org/drawingml/2006/main" xmlns:r="http://schemas.openxmlformats.org/officeDocument/2006/relationships" xmlns:p="http://schemas.openxmlformats.org/presentationml/2006/main" type="vertTx" preserve="1">
   <p:cSld name="제목 및 세로 텍스트">
     <p:spTree>
@@ -431,7 +687,7 @@
           <a:p>
             <a:fld id="{47FBABC7-F946-4B58-B56F-B35BD43FEC76}" type="datetimeFigureOut">
               <a:rPr lang="ko-KR" altLang="en-US" smtClean="0"/>
-              <a:t>2014-12-01</a:t>
+              <a:t>2014-12-08</a:t>
             </a:fld>
             <a:endParaRPr lang="ko-KR" altLang="en-US"/>
           </a:p>
@@ -492,7 +748,7 @@
 </p:sldLayout>
 </file>
 
-<file path=ppt/slideLayouts/slideLayout11.xml><?xml version="1.0" encoding="utf-8"?>
+<file path=ppt/slideLayouts/slideLayout12.xml><?xml version="1.0" encoding="utf-8"?>
 <p:sldLayout xmlns:a="http://schemas.openxmlformats.org/drawingml/2006/main" xmlns:r="http://schemas.openxmlformats.org/officeDocument/2006/relationships" xmlns:p="http://schemas.openxmlformats.org/presentationml/2006/main" type="vertTitleAndTx" preserve="1">
   <p:cSld name="세로 제목 및 텍스트">
     <p:spTree>
@@ -611,7 +867,7 @@
           <a:p>
             <a:fld id="{47FBABC7-F946-4B58-B56F-B35BD43FEC76}" type="datetimeFigureOut">
               <a:rPr lang="ko-KR" altLang="en-US" smtClean="0"/>
-              <a:t>2014-12-01</a:t>
+              <a:t>2014-12-08</a:t>
             </a:fld>
             <a:endParaRPr lang="ko-KR" altLang="en-US"/>
           </a:p>
@@ -781,7 +1037,7 @@
           <a:p>
             <a:fld id="{47FBABC7-F946-4B58-B56F-B35BD43FEC76}" type="datetimeFigureOut">
               <a:rPr lang="ko-KR" altLang="en-US" smtClean="0"/>
-              <a:t>2014-12-01</a:t>
+              <a:t>2014-12-08</a:t>
             </a:fld>
             <a:endParaRPr lang="ko-KR" altLang="en-US"/>
           </a:p>
@@ -843,6 +1099,190 @@
 </file>
 
 <file path=ppt/slideLayouts/slideLayout3.xml><?xml version="1.0" encoding="utf-8"?>
+<p:sldLayout xmlns:a="http://schemas.openxmlformats.org/drawingml/2006/main" xmlns:r="http://schemas.openxmlformats.org/officeDocument/2006/relationships" xmlns:p="http://schemas.openxmlformats.org/presentationml/2006/main" preserve="1" userDrawn="1">
+  <p:cSld name="사용자 지정 레이아웃">
+    <p:spTree>
+      <p:nvGrpSpPr>
+        <p:cNvPr id="1" name=""/>
+        <p:cNvGrpSpPr/>
+        <p:nvPr/>
+      </p:nvGrpSpPr>
+      <p:grpSpPr>
+        <a:xfrm>
+          <a:off x="0" y="0"/>
+          <a:ext cx="0" cy="0"/>
+          <a:chOff x="0" y="0"/>
+          <a:chExt cx="0" cy="0"/>
+        </a:xfrm>
+      </p:grpSpPr>
+      <p:sp>
+        <p:nvSpPr>
+          <p:cNvPr id="2" name="제목 1"/>
+          <p:cNvSpPr>
+            <a:spLocks noGrp="1"/>
+          </p:cNvSpPr>
+          <p:nvPr>
+            <p:ph type="title"/>
+          </p:nvPr>
+        </p:nvSpPr>
+        <p:spPr>
+          <a:xfrm>
+            <a:off x="6425292" y="365125"/>
+            <a:ext cx="4928507" cy="5651954"/>
+          </a:xfrm>
+        </p:spPr>
+        <p:txBody>
+          <a:bodyPr>
+            <a:normAutofit/>
+          </a:bodyPr>
+          <a:lstStyle>
+            <a:lvl1pPr>
+              <a:defRPr sz="2400"/>
+            </a:lvl1pPr>
+          </a:lstStyle>
+          <a:p>
+            <a:r>
+              <a:rPr lang="ko-KR" altLang="en-US" dirty="0" smtClean="0"/>
+              <a:t>마스터 제목 스타일 편집</a:t>
+            </a:r>
+            <a:endParaRPr lang="ko-KR" altLang="en-US" dirty="0"/>
+          </a:p>
+        </p:txBody>
+      </p:sp>
+      <p:sp>
+        <p:nvSpPr>
+          <p:cNvPr id="3" name="날짜 개체 틀 2"/>
+          <p:cNvSpPr>
+            <a:spLocks noGrp="1"/>
+          </p:cNvSpPr>
+          <p:nvPr>
+            <p:ph type="dt" sz="half" idx="10"/>
+          </p:nvPr>
+        </p:nvSpPr>
+        <p:spPr/>
+        <p:txBody>
+          <a:bodyPr/>
+          <a:lstStyle/>
+          <a:p>
+            <a:fld id="{47FBABC7-F946-4B58-B56F-B35BD43FEC76}" type="datetimeFigureOut">
+              <a:rPr lang="ko-KR" altLang="en-US" smtClean="0"/>
+              <a:t>2014-12-08</a:t>
+            </a:fld>
+            <a:endParaRPr lang="ko-KR" altLang="en-US"/>
+          </a:p>
+        </p:txBody>
+      </p:sp>
+      <p:sp>
+        <p:nvSpPr>
+          <p:cNvPr id="4" name="바닥글 개체 틀 3"/>
+          <p:cNvSpPr>
+            <a:spLocks noGrp="1"/>
+          </p:cNvSpPr>
+          <p:nvPr>
+            <p:ph type="ftr" sz="quarter" idx="11"/>
+          </p:nvPr>
+        </p:nvSpPr>
+        <p:spPr/>
+        <p:txBody>
+          <a:bodyPr/>
+          <a:lstStyle/>
+          <a:p>
+            <a:endParaRPr lang="ko-KR" altLang="en-US"/>
+          </a:p>
+        </p:txBody>
+      </p:sp>
+      <p:sp>
+        <p:nvSpPr>
+          <p:cNvPr id="5" name="슬라이드 번호 개체 틀 4"/>
+          <p:cNvSpPr>
+            <a:spLocks noGrp="1"/>
+          </p:cNvSpPr>
+          <p:nvPr>
+            <p:ph type="sldNum" sz="quarter" idx="12"/>
+          </p:nvPr>
+        </p:nvSpPr>
+        <p:spPr/>
+        <p:txBody>
+          <a:bodyPr/>
+          <a:lstStyle/>
+          <a:p>
+            <a:fld id="{A4D8FBC3-A99B-41B5-A770-2A24FCDABB94}" type="slidenum">
+              <a:rPr lang="ko-KR" altLang="en-US" smtClean="0"/>
+              <a:t>‹#›</a:t>
+            </a:fld>
+            <a:endParaRPr lang="ko-KR" altLang="en-US"/>
+          </a:p>
+        </p:txBody>
+      </p:sp>
+      <p:sp>
+        <p:nvSpPr>
+          <p:cNvPr id="8" name="그림 개체 틀 7"/>
+          <p:cNvSpPr>
+            <a:spLocks noGrp="1"/>
+          </p:cNvSpPr>
+          <p:nvPr>
+            <p:ph type="pic" sz="quarter" idx="13"/>
+          </p:nvPr>
+        </p:nvSpPr>
+        <p:spPr>
+          <a:xfrm>
+            <a:off x="1055688" y="1458461"/>
+            <a:ext cx="3600450" cy="3600450"/>
+          </a:xfrm>
+        </p:spPr>
+        <p:txBody>
+          <a:bodyPr/>
+          <a:lstStyle/>
+          <a:p>
+            <a:endParaRPr lang="ko-KR" altLang="en-US"/>
+          </a:p>
+        </p:txBody>
+      </p:sp>
+    </p:spTree>
+    <p:extLst>
+      <p:ext uri="{BB962C8B-B14F-4D97-AF65-F5344CB8AC3E}">
+        <p14:creationId xmlns:p14="http://schemas.microsoft.com/office/powerpoint/2010/main" val="572150596"/>
+      </p:ext>
+    </p:extLst>
+  </p:cSld>
+  <p:clrMapOvr>
+    <a:masterClrMapping/>
+  </p:clrMapOvr>
+  <p:extLst>
+    <p:ext uri="{DCECCB84-F9BA-43D5-87BE-67443E8EF086}">
+      <p15:sldGuideLst xmlns:p15="http://schemas.microsoft.com/office/powerpoint/2012/main">
+        <p15:guide id="1" orient="horz" pos="1253" userDrawn="1">
+          <p15:clr>
+            <a:srgbClr val="FBAE40"/>
+          </p15:clr>
+        </p15:guide>
+        <p15:guide id="2" pos="3840" userDrawn="1">
+          <p15:clr>
+            <a:srgbClr val="FBAE40"/>
+          </p15:clr>
+        </p15:guide>
+        <p15:guide id="3" pos="665" userDrawn="1">
+          <p15:clr>
+            <a:srgbClr val="FBAE40"/>
+          </p15:clr>
+        </p15:guide>
+        <p15:guide id="4" pos="2933" userDrawn="1">
+          <p15:clr>
+            <a:srgbClr val="FBAE40"/>
+          </p15:clr>
+        </p15:guide>
+        <p15:guide id="5" orient="horz" pos="3521" userDrawn="1">
+          <p15:clr>
+            <a:srgbClr val="FBAE40"/>
+          </p15:clr>
+        </p15:guide>
+      </p15:sldGuideLst>
+    </p:ext>
+  </p:extLst>
+</p:sldLayout>
+</file>
+
+<file path=ppt/slideLayouts/slideLayout4.xml><?xml version="1.0" encoding="utf-8"?>
 <p:sldLayout xmlns:a="http://schemas.openxmlformats.org/drawingml/2006/main" xmlns:r="http://schemas.openxmlformats.org/officeDocument/2006/relationships" xmlns:p="http://schemas.openxmlformats.org/presentationml/2006/main" type="secHead" preserve="1">
   <p:cSld name="구역 머리글">
     <p:spTree>
@@ -1027,7 +1467,7 @@
           <a:p>
             <a:fld id="{47FBABC7-F946-4B58-B56F-B35BD43FEC76}" type="datetimeFigureOut">
               <a:rPr lang="ko-KR" altLang="en-US" smtClean="0"/>
-              <a:t>2014-12-01</a:t>
+              <a:t>2014-12-08</a:t>
             </a:fld>
             <a:endParaRPr lang="ko-KR" altLang="en-US"/>
           </a:p>
@@ -1088,7 +1528,7 @@
 </p:sldLayout>
 </file>
 
-<file path=ppt/slideLayouts/slideLayout4.xml><?xml version="1.0" encoding="utf-8"?>
+<file path=ppt/slideLayouts/slideLayout5.xml><?xml version="1.0" encoding="utf-8"?>
 <p:sldLayout xmlns:a="http://schemas.openxmlformats.org/drawingml/2006/main" xmlns:r="http://schemas.openxmlformats.org/officeDocument/2006/relationships" xmlns:p="http://schemas.openxmlformats.org/presentationml/2006/main" type="twoObj" preserve="1">
   <p:cSld name="콘텐츠 2개">
     <p:spTree>
@@ -1259,7 +1699,7 @@
           <a:p>
             <a:fld id="{47FBABC7-F946-4B58-B56F-B35BD43FEC76}" type="datetimeFigureOut">
               <a:rPr lang="ko-KR" altLang="en-US" smtClean="0"/>
-              <a:t>2014-12-01</a:t>
+              <a:t>2014-12-08</a:t>
             </a:fld>
             <a:endParaRPr lang="ko-KR" altLang="en-US"/>
           </a:p>
@@ -1320,7 +1760,7 @@
 </p:sldLayout>
 </file>
 
-<file path=ppt/slideLayouts/slideLayout5.xml><?xml version="1.0" encoding="utf-8"?>
+<file path=ppt/slideLayouts/slideLayout6.xml><?xml version="1.0" encoding="utf-8"?>
 <p:sldLayout xmlns:a="http://schemas.openxmlformats.org/drawingml/2006/main" xmlns:r="http://schemas.openxmlformats.org/officeDocument/2006/relationships" xmlns:p="http://schemas.openxmlformats.org/presentationml/2006/main" type="twoTxTwoObj" preserve="1">
   <p:cSld name="비교">
     <p:spTree>
@@ -1626,7 +2066,7 @@
           <a:p>
             <a:fld id="{47FBABC7-F946-4B58-B56F-B35BD43FEC76}" type="datetimeFigureOut">
               <a:rPr lang="ko-KR" altLang="en-US" smtClean="0"/>
-              <a:t>2014-12-01</a:t>
+              <a:t>2014-12-08</a:t>
             </a:fld>
             <a:endParaRPr lang="ko-KR" altLang="en-US"/>
           </a:p>
@@ -1687,7 +2127,7 @@
 </p:sldLayout>
 </file>
 
-<file path=ppt/slideLayouts/slideLayout6.xml><?xml version="1.0" encoding="utf-8"?>
+<file path=ppt/slideLayouts/slideLayout7.xml><?xml version="1.0" encoding="utf-8"?>
 <p:sldLayout xmlns:a="http://schemas.openxmlformats.org/drawingml/2006/main" xmlns:r="http://schemas.openxmlformats.org/officeDocument/2006/relationships" xmlns:p="http://schemas.openxmlformats.org/presentationml/2006/main" type="titleOnly" preserve="1">
   <p:cSld name="제목만">
     <p:spTree>
@@ -1744,7 +2184,7 @@
           <a:p>
             <a:fld id="{47FBABC7-F946-4B58-B56F-B35BD43FEC76}" type="datetimeFigureOut">
               <a:rPr lang="ko-KR" altLang="en-US" smtClean="0"/>
-              <a:t>2014-12-01</a:t>
+              <a:t>2014-12-08</a:t>
             </a:fld>
             <a:endParaRPr lang="ko-KR" altLang="en-US"/>
           </a:p>
@@ -1805,7 +2245,7 @@
 </p:sldLayout>
 </file>
 
-<file path=ppt/slideLayouts/slideLayout7.xml><?xml version="1.0" encoding="utf-8"?>
+<file path=ppt/slideLayouts/slideLayout8.xml><?xml version="1.0" encoding="utf-8"?>
 <p:sldLayout xmlns:a="http://schemas.openxmlformats.org/drawingml/2006/main" xmlns:r="http://schemas.openxmlformats.org/officeDocument/2006/relationships" xmlns:p="http://schemas.openxmlformats.org/presentationml/2006/main" type="blank" preserve="1">
   <p:cSld name="빈 화면">
     <p:spTree>
@@ -1839,7 +2279,7 @@
           <a:p>
             <a:fld id="{47FBABC7-F946-4B58-B56F-B35BD43FEC76}" type="datetimeFigureOut">
               <a:rPr lang="ko-KR" altLang="en-US" smtClean="0"/>
-              <a:t>2014-12-01</a:t>
+              <a:t>2014-12-08</a:t>
             </a:fld>
             <a:endParaRPr lang="ko-KR" altLang="en-US"/>
           </a:p>
@@ -1900,7 +2340,7 @@
 </p:sldLayout>
 </file>
 
-<file path=ppt/slideLayouts/slideLayout8.xml><?xml version="1.0" encoding="utf-8"?>
+<file path=ppt/slideLayouts/slideLayout9.xml><?xml version="1.0" encoding="utf-8"?>
 <p:sldLayout xmlns:a="http://schemas.openxmlformats.org/drawingml/2006/main" xmlns:r="http://schemas.openxmlformats.org/officeDocument/2006/relationships" xmlns:p="http://schemas.openxmlformats.org/presentationml/2006/main" type="objTx" preserve="1">
   <p:cSld name="캡션 있는 콘텐츠">
     <p:spTree>
@@ -2116,7 +2556,7 @@
           <a:p>
             <a:fld id="{47FBABC7-F946-4B58-B56F-B35BD43FEC76}" type="datetimeFigureOut">
               <a:rPr lang="ko-KR" altLang="en-US" smtClean="0"/>
-              <a:t>2014-12-01</a:t>
+              <a:t>2014-12-08</a:t>
             </a:fld>
             <a:endParaRPr lang="ko-KR" altLang="en-US"/>
           </a:p>
@@ -2168,259 +2608,6 @@
     <p:extLst>
       <p:ext uri="{BB962C8B-B14F-4D97-AF65-F5344CB8AC3E}">
         <p14:creationId xmlns:p14="http://schemas.microsoft.com/office/powerpoint/2010/main" val="3082100126"/>
-      </p:ext>
-    </p:extLst>
-  </p:cSld>
-  <p:clrMapOvr>
-    <a:masterClrMapping/>
-  </p:clrMapOvr>
-</p:sldLayout>
-</file>
-
-<file path=ppt/slideLayouts/slideLayout9.xml><?xml version="1.0" encoding="utf-8"?>
-<p:sldLayout xmlns:a="http://schemas.openxmlformats.org/drawingml/2006/main" xmlns:r="http://schemas.openxmlformats.org/officeDocument/2006/relationships" xmlns:p="http://schemas.openxmlformats.org/presentationml/2006/main" type="picTx" preserve="1">
-  <p:cSld name="캡션 있는 그림">
-    <p:spTree>
-      <p:nvGrpSpPr>
-        <p:cNvPr id="1" name=""/>
-        <p:cNvGrpSpPr/>
-        <p:nvPr/>
-      </p:nvGrpSpPr>
-      <p:grpSpPr>
-        <a:xfrm>
-          <a:off x="0" y="0"/>
-          <a:ext cx="0" cy="0"/>
-          <a:chOff x="0" y="0"/>
-          <a:chExt cx="0" cy="0"/>
-        </a:xfrm>
-      </p:grpSpPr>
-      <p:sp>
-        <p:nvSpPr>
-          <p:cNvPr id="2" name="제목 1"/>
-          <p:cNvSpPr>
-            <a:spLocks noGrp="1"/>
-          </p:cNvSpPr>
-          <p:nvPr>
-            <p:ph type="title"/>
-          </p:nvPr>
-        </p:nvSpPr>
-        <p:spPr>
-          <a:xfrm>
-            <a:off x="839788" y="457200"/>
-            <a:ext cx="3932237" cy="1600200"/>
-          </a:xfrm>
-        </p:spPr>
-        <p:txBody>
-          <a:bodyPr anchor="b"/>
-          <a:lstStyle>
-            <a:lvl1pPr>
-              <a:defRPr sz="3200"/>
-            </a:lvl1pPr>
-          </a:lstStyle>
-          <a:p>
-            <a:r>
-              <a:rPr lang="ko-KR" altLang="en-US" smtClean="0"/>
-              <a:t>마스터 제목 스타일 편집</a:t>
-            </a:r>
-            <a:endParaRPr lang="ko-KR" altLang="en-US"/>
-          </a:p>
-        </p:txBody>
-      </p:sp>
-      <p:sp>
-        <p:nvSpPr>
-          <p:cNvPr id="3" name="그림 개체 틀 2"/>
-          <p:cNvSpPr>
-            <a:spLocks noGrp="1"/>
-          </p:cNvSpPr>
-          <p:nvPr>
-            <p:ph type="pic" idx="1"/>
-          </p:nvPr>
-        </p:nvSpPr>
-        <p:spPr>
-          <a:xfrm>
-            <a:off x="5183188" y="987425"/>
-            <a:ext cx="6172200" cy="4873625"/>
-          </a:xfrm>
-        </p:spPr>
-        <p:txBody>
-          <a:bodyPr/>
-          <a:lstStyle>
-            <a:lvl1pPr marL="0" indent="0">
-              <a:buNone/>
-              <a:defRPr sz="3200"/>
-            </a:lvl1pPr>
-            <a:lvl2pPr marL="457200" indent="0">
-              <a:buNone/>
-              <a:defRPr sz="2800"/>
-            </a:lvl2pPr>
-            <a:lvl3pPr marL="914400" indent="0">
-              <a:buNone/>
-              <a:defRPr sz="2400"/>
-            </a:lvl3pPr>
-            <a:lvl4pPr marL="1371600" indent="0">
-              <a:buNone/>
-              <a:defRPr sz="2000"/>
-            </a:lvl4pPr>
-            <a:lvl5pPr marL="1828800" indent="0">
-              <a:buNone/>
-              <a:defRPr sz="2000"/>
-            </a:lvl5pPr>
-            <a:lvl6pPr marL="2286000" indent="0">
-              <a:buNone/>
-              <a:defRPr sz="2000"/>
-            </a:lvl6pPr>
-            <a:lvl7pPr marL="2743200" indent="0">
-              <a:buNone/>
-              <a:defRPr sz="2000"/>
-            </a:lvl7pPr>
-            <a:lvl8pPr marL="3200400" indent="0">
-              <a:buNone/>
-              <a:defRPr sz="2000"/>
-            </a:lvl8pPr>
-            <a:lvl9pPr marL="3657600" indent="0">
-              <a:buNone/>
-              <a:defRPr sz="2000"/>
-            </a:lvl9pPr>
-          </a:lstStyle>
-          <a:p>
-            <a:endParaRPr lang="ko-KR" altLang="en-US"/>
-          </a:p>
-        </p:txBody>
-      </p:sp>
-      <p:sp>
-        <p:nvSpPr>
-          <p:cNvPr id="4" name="텍스트 개체 틀 3"/>
-          <p:cNvSpPr>
-            <a:spLocks noGrp="1"/>
-          </p:cNvSpPr>
-          <p:nvPr>
-            <p:ph type="body" sz="half" idx="2"/>
-          </p:nvPr>
-        </p:nvSpPr>
-        <p:spPr>
-          <a:xfrm>
-            <a:off x="839788" y="2057400"/>
-            <a:ext cx="3932237" cy="3811588"/>
-          </a:xfrm>
-        </p:spPr>
-        <p:txBody>
-          <a:bodyPr/>
-          <a:lstStyle>
-            <a:lvl1pPr marL="0" indent="0">
-              <a:buNone/>
-              <a:defRPr sz="1600"/>
-            </a:lvl1pPr>
-            <a:lvl2pPr marL="457200" indent="0">
-              <a:buNone/>
-              <a:defRPr sz="1400"/>
-            </a:lvl2pPr>
-            <a:lvl3pPr marL="914400" indent="0">
-              <a:buNone/>
-              <a:defRPr sz="1200"/>
-            </a:lvl3pPr>
-            <a:lvl4pPr marL="1371600" indent="0">
-              <a:buNone/>
-              <a:defRPr sz="1000"/>
-            </a:lvl4pPr>
-            <a:lvl5pPr marL="1828800" indent="0">
-              <a:buNone/>
-              <a:defRPr sz="1000"/>
-            </a:lvl5pPr>
-            <a:lvl6pPr marL="2286000" indent="0">
-              <a:buNone/>
-              <a:defRPr sz="1000"/>
-            </a:lvl6pPr>
-            <a:lvl7pPr marL="2743200" indent="0">
-              <a:buNone/>
-              <a:defRPr sz="1000"/>
-            </a:lvl7pPr>
-            <a:lvl8pPr marL="3200400" indent="0">
-              <a:buNone/>
-              <a:defRPr sz="1000"/>
-            </a:lvl8pPr>
-            <a:lvl9pPr marL="3657600" indent="0">
-              <a:buNone/>
-              <a:defRPr sz="1000"/>
-            </a:lvl9pPr>
-          </a:lstStyle>
-          <a:p>
-            <a:pPr lvl="0"/>
-            <a:r>
-              <a:rPr lang="ko-KR" altLang="en-US" smtClean="0"/>
-              <a:t>마스터 텍스트 스타일을 편집합니다</a:t>
-            </a:r>
-          </a:p>
-        </p:txBody>
-      </p:sp>
-      <p:sp>
-        <p:nvSpPr>
-          <p:cNvPr id="5" name="날짜 개체 틀 4"/>
-          <p:cNvSpPr>
-            <a:spLocks noGrp="1"/>
-          </p:cNvSpPr>
-          <p:nvPr>
-            <p:ph type="dt" sz="half" idx="10"/>
-          </p:nvPr>
-        </p:nvSpPr>
-        <p:spPr/>
-        <p:txBody>
-          <a:bodyPr/>
-          <a:lstStyle/>
-          <a:p>
-            <a:fld id="{47FBABC7-F946-4B58-B56F-B35BD43FEC76}" type="datetimeFigureOut">
-              <a:rPr lang="ko-KR" altLang="en-US" smtClean="0"/>
-              <a:t>2014-12-01</a:t>
-            </a:fld>
-            <a:endParaRPr lang="ko-KR" altLang="en-US"/>
-          </a:p>
-        </p:txBody>
-      </p:sp>
-      <p:sp>
-        <p:nvSpPr>
-          <p:cNvPr id="6" name="바닥글 개체 틀 5"/>
-          <p:cNvSpPr>
-            <a:spLocks noGrp="1"/>
-          </p:cNvSpPr>
-          <p:nvPr>
-            <p:ph type="ftr" sz="quarter" idx="11"/>
-          </p:nvPr>
-        </p:nvSpPr>
-        <p:spPr/>
-        <p:txBody>
-          <a:bodyPr/>
-          <a:lstStyle/>
-          <a:p>
-            <a:endParaRPr lang="ko-KR" altLang="en-US"/>
-          </a:p>
-        </p:txBody>
-      </p:sp>
-      <p:sp>
-        <p:nvSpPr>
-          <p:cNvPr id="7" name="슬라이드 번호 개체 틀 6"/>
-          <p:cNvSpPr>
-            <a:spLocks noGrp="1"/>
-          </p:cNvSpPr>
-          <p:nvPr>
-            <p:ph type="sldNum" sz="quarter" idx="12"/>
-          </p:nvPr>
-        </p:nvSpPr>
-        <p:spPr/>
-        <p:txBody>
-          <a:bodyPr/>
-          <a:lstStyle/>
-          <a:p>
-            <a:fld id="{A4D8FBC3-A99B-41B5-A770-2A24FCDABB94}" type="slidenum">
-              <a:rPr lang="ko-KR" altLang="en-US" smtClean="0"/>
-              <a:t>‹#›</a:t>
-            </a:fld>
-            <a:endParaRPr lang="ko-KR" altLang="en-US"/>
-          </a:p>
-        </p:txBody>
-      </p:sp>
-    </p:spTree>
-    <p:extLst>
-      <p:ext uri="{BB962C8B-B14F-4D97-AF65-F5344CB8AC3E}">
-        <p14:creationId xmlns:p14="http://schemas.microsoft.com/office/powerpoint/2010/main" val="3994335765"/>
       </p:ext>
     </p:extLst>
   </p:cSld>
@@ -2582,7 +2769,7 @@
           <a:p>
             <a:fld id="{47FBABC7-F946-4B58-B56F-B35BD43FEC76}" type="datetimeFigureOut">
               <a:rPr lang="ko-KR" altLang="en-US" smtClean="0"/>
-              <a:t>2014-12-01</a:t>
+              <a:t>2014-12-08</a:t>
             </a:fld>
             <a:endParaRPr lang="ko-KR" altLang="en-US"/>
           </a:p>
@@ -2677,15 +2864,16 @@
   <p:sldLayoutIdLst>
     <p:sldLayoutId id="2147483649" r:id="rId1"/>
     <p:sldLayoutId id="2147483650" r:id="rId2"/>
-    <p:sldLayoutId id="2147483651" r:id="rId3"/>
-    <p:sldLayoutId id="2147483652" r:id="rId4"/>
-    <p:sldLayoutId id="2147483653" r:id="rId5"/>
-    <p:sldLayoutId id="2147483654" r:id="rId6"/>
-    <p:sldLayoutId id="2147483655" r:id="rId7"/>
-    <p:sldLayoutId id="2147483656" r:id="rId8"/>
-    <p:sldLayoutId id="2147483657" r:id="rId9"/>
-    <p:sldLayoutId id="2147483658" r:id="rId10"/>
-    <p:sldLayoutId id="2147483659" r:id="rId11"/>
+    <p:sldLayoutId id="2147483660" r:id="rId3"/>
+    <p:sldLayoutId id="2147483651" r:id="rId4"/>
+    <p:sldLayoutId id="2147483652" r:id="rId5"/>
+    <p:sldLayoutId id="2147483653" r:id="rId6"/>
+    <p:sldLayoutId id="2147483654" r:id="rId7"/>
+    <p:sldLayoutId id="2147483655" r:id="rId8"/>
+    <p:sldLayoutId id="2147483656" r:id="rId9"/>
+    <p:sldLayoutId id="2147483657" r:id="rId10"/>
+    <p:sldLayoutId id="2147483658" r:id="rId11"/>
+    <p:sldLayoutId id="2147483659" r:id="rId12"/>
   </p:sldLayoutIdLst>
   <p:txStyles>
     <p:titleStyle>
@@ -3115,7 +3303,7 @@
         <p:spPr>
           <a:xfrm>
             <a:off x="6242349" y="2848271"/>
-            <a:ext cx="2697277" cy="646331"/>
+            <a:ext cx="3260829" cy="369332"/>
           </a:xfrm>
           <a:prstGeom prst="rect">
             <a:avLst/>
@@ -3128,59 +3316,47 @@
           <a:lstStyle/>
           <a:p>
             <a:r>
+              <a:rPr lang="en-US" altLang="ko-KR" dirty="0"/>
+              <a:t>Created by </a:t>
+            </a:r>
+            <a:r>
               <a:rPr lang="en-US" altLang="ko-KR" dirty="0">
-                <a:latin typeface="넥슨 풋볼고딕 B" panose="020B0803000000000000" pitchFamily="50" charset="-127"/>
-                <a:ea typeface="넥슨 풋볼고딕 B" panose="020B0803000000000000" pitchFamily="50" charset="-127"/>
+                <a:hlinkClick r:id="rId2"/>
               </a:rPr>
-              <a:t>Group by irene hoffman </a:t>
-            </a:r>
-            <a:endParaRPr lang="en-US" altLang="ko-KR" dirty="0" smtClean="0">
+              <a:t>Catherine Please</a:t>
+            </a:r>
+            <a:endParaRPr lang="en-US" altLang="ko-KR" dirty="0">
               <a:latin typeface="넥슨 풋볼고딕 B" panose="020B0803000000000000" pitchFamily="50" charset="-127"/>
               <a:ea typeface="넥슨 풋볼고딕 B" panose="020B0803000000000000" pitchFamily="50" charset="-127"/>
             </a:endParaRPr>
           </a:p>
-          <a:p>
-            <a:r>
-              <a:rPr lang="en-US" altLang="ko-KR" dirty="0" smtClean="0">
-                <a:latin typeface="넥슨 풋볼고딕 B" panose="020B0803000000000000" pitchFamily="50" charset="-127"/>
-                <a:ea typeface="넥슨 풋볼고딕 B" panose="020B0803000000000000" pitchFamily="50" charset="-127"/>
-              </a:rPr>
-              <a:t>from </a:t>
-            </a:r>
-            <a:r>
-              <a:rPr lang="en-US" altLang="ko-KR" dirty="0">
-                <a:latin typeface="넥슨 풋볼고딕 B" panose="020B0803000000000000" pitchFamily="50" charset="-127"/>
-                <a:ea typeface="넥슨 풋볼고딕 B" panose="020B0803000000000000" pitchFamily="50" charset="-127"/>
-              </a:rPr>
-              <a:t>The Noun Project</a:t>
-            </a:r>
-          </a:p>
         </p:txBody>
       </p:sp>
       <p:pic>
         <p:nvPicPr>
-          <p:cNvPr id="4" name="그림 3"/>
+          <p:cNvPr id="6" name="그림 개체 틀 7"/>
           <p:cNvPicPr>
             <a:picLocks noChangeAspect="1"/>
           </p:cNvPicPr>
           <p:nvPr/>
         </p:nvPicPr>
         <p:blipFill>
-          <a:blip r:embed="rId2" cstate="print">
+          <a:blip r:embed="rId3" cstate="print">
             <a:extLst>
               <a:ext uri="{28A0092B-C50C-407E-A947-70E740481C1C}">
                 <a14:useLocalDpi xmlns:a14="http://schemas.microsoft.com/office/drawing/2010/main" val="0"/>
               </a:ext>
             </a:extLst>
           </a:blip>
+          <a:srcRect/>
           <a:stretch>
             <a:fillRect/>
           </a:stretch>
         </p:blipFill>
         <p:spPr>
           <a:xfrm>
-            <a:off x="2716427" y="1962533"/>
-            <a:ext cx="2417805" cy="2417805"/>
+            <a:off x="1812067" y="1535584"/>
+            <a:ext cx="3240000" cy="3240000"/>
           </a:xfrm>
           <a:prstGeom prst="rect">
             <a:avLst/>
@@ -3226,7 +3402,7 @@
         <p:spPr>
           <a:xfrm>
             <a:off x="6242349" y="2848271"/>
-            <a:ext cx="2697277" cy="646331"/>
+            <a:ext cx="2834430" cy="369332"/>
           </a:xfrm>
           <a:prstGeom prst="rect">
             <a:avLst/>
@@ -3239,45 +3415,38 @@
           <a:lstStyle/>
           <a:p>
             <a:r>
+              <a:rPr lang="en-US" altLang="ko-KR" dirty="0"/>
+              <a:t>Created by </a:t>
+            </a:r>
+            <a:r>
+              <a:rPr lang="en-US" altLang="ko-KR" dirty="0" err="1">
+                <a:hlinkClick r:id="rId2"/>
+              </a:rPr>
+              <a:t>Cris</a:t>
+            </a:r>
+            <a:r>
               <a:rPr lang="en-US" altLang="ko-KR" dirty="0">
-                <a:latin typeface="넥슨 풋볼고딕 B" panose="020B0803000000000000" pitchFamily="50" charset="-127"/>
-                <a:ea typeface="넥슨 풋볼고딕 B" panose="020B0803000000000000" pitchFamily="50" charset="-127"/>
+                <a:hlinkClick r:id="rId2"/>
               </a:rPr>
-              <a:t>Group by irene hoffman </a:t>
-            </a:r>
-            <a:endParaRPr lang="en-US" altLang="ko-KR" dirty="0" smtClean="0">
+              <a:t> Dobbins</a:t>
+            </a:r>
+            <a:endParaRPr lang="en-US" altLang="ko-KR" dirty="0">
               <a:latin typeface="넥슨 풋볼고딕 B" panose="020B0803000000000000" pitchFamily="50" charset="-127"/>
               <a:ea typeface="넥슨 풋볼고딕 B" panose="020B0803000000000000" pitchFamily="50" charset="-127"/>
             </a:endParaRPr>
           </a:p>
-          <a:p>
-            <a:r>
-              <a:rPr lang="en-US" altLang="ko-KR" dirty="0" smtClean="0">
-                <a:latin typeface="넥슨 풋볼고딕 B" panose="020B0803000000000000" pitchFamily="50" charset="-127"/>
-                <a:ea typeface="넥슨 풋볼고딕 B" panose="020B0803000000000000" pitchFamily="50" charset="-127"/>
-              </a:rPr>
-              <a:t>from </a:t>
-            </a:r>
-            <a:r>
-              <a:rPr lang="en-US" altLang="ko-KR" dirty="0">
-                <a:latin typeface="넥슨 풋볼고딕 B" panose="020B0803000000000000" pitchFamily="50" charset="-127"/>
-                <a:ea typeface="넥슨 풋볼고딕 B" panose="020B0803000000000000" pitchFamily="50" charset="-127"/>
-              </a:rPr>
-              <a:t>The Noun Project</a:t>
-            </a:r>
-          </a:p>
         </p:txBody>
       </p:sp>
       <p:pic>
         <p:nvPicPr>
-          <p:cNvPr id="4" name="그림 3"/>
+          <p:cNvPr id="3" name="그림 2"/>
           <p:cNvPicPr>
             <a:picLocks noChangeAspect="1"/>
           </p:cNvPicPr>
           <p:nvPr/>
         </p:nvPicPr>
         <p:blipFill>
-          <a:blip r:embed="rId2" cstate="print">
+          <a:blip r:embed="rId3" cstate="print">
             <a:extLst>
               <a:ext uri="{28A0092B-C50C-407E-A947-70E740481C1C}">
                 <a14:useLocalDpi xmlns:a14="http://schemas.microsoft.com/office/drawing/2010/main" val="0"/>
@@ -3290,8 +3459,8 @@
         </p:blipFill>
         <p:spPr>
           <a:xfrm>
-            <a:off x="2716427" y="1962533"/>
-            <a:ext cx="2417805" cy="2417805"/>
+            <a:off x="2312772" y="2119183"/>
+            <a:ext cx="2358081" cy="2358081"/>
           </a:xfrm>
           <a:prstGeom prst="rect">
             <a:avLst/>
@@ -3337,7 +3506,7 @@
         <p:spPr>
           <a:xfrm>
             <a:off x="6242349" y="2848271"/>
-            <a:ext cx="2697277" cy="646331"/>
+            <a:ext cx="3432350" cy="369332"/>
           </a:xfrm>
           <a:prstGeom prst="rect">
             <a:avLst/>
@@ -3350,45 +3519,38 @@
           <a:lstStyle/>
           <a:p>
             <a:r>
+              <a:rPr lang="en-US" altLang="ko-KR" dirty="0"/>
+              <a:t>Created by </a:t>
+            </a:r>
+            <a:r>
               <a:rPr lang="en-US" altLang="ko-KR" dirty="0">
-                <a:latin typeface="넥슨 풋볼고딕 B" panose="020B0803000000000000" pitchFamily="50" charset="-127"/>
-                <a:ea typeface="넥슨 풋볼고딕 B" panose="020B0803000000000000" pitchFamily="50" charset="-127"/>
+                <a:hlinkClick r:id="rId2"/>
               </a:rPr>
-              <a:t>Group by irene hoffman </a:t>
-            </a:r>
-            <a:endParaRPr lang="en-US" altLang="ko-KR" dirty="0" smtClean="0">
+              <a:t>Sofia </a:t>
+            </a:r>
+            <a:r>
+              <a:rPr lang="en-US" altLang="ko-KR" dirty="0" err="1">
+                <a:hlinkClick r:id="rId2"/>
+              </a:rPr>
+              <a:t>Pramaggiore</a:t>
+            </a:r>
+            <a:endParaRPr lang="en-US" altLang="ko-KR" dirty="0">
               <a:latin typeface="넥슨 풋볼고딕 B" panose="020B0803000000000000" pitchFamily="50" charset="-127"/>
               <a:ea typeface="넥슨 풋볼고딕 B" panose="020B0803000000000000" pitchFamily="50" charset="-127"/>
             </a:endParaRPr>
           </a:p>
-          <a:p>
-            <a:r>
-              <a:rPr lang="en-US" altLang="ko-KR" dirty="0" smtClean="0">
-                <a:latin typeface="넥슨 풋볼고딕 B" panose="020B0803000000000000" pitchFamily="50" charset="-127"/>
-                <a:ea typeface="넥슨 풋볼고딕 B" panose="020B0803000000000000" pitchFamily="50" charset="-127"/>
-              </a:rPr>
-              <a:t>from </a:t>
-            </a:r>
-            <a:r>
-              <a:rPr lang="en-US" altLang="ko-KR" dirty="0">
-                <a:latin typeface="넥슨 풋볼고딕 B" panose="020B0803000000000000" pitchFamily="50" charset="-127"/>
-                <a:ea typeface="넥슨 풋볼고딕 B" panose="020B0803000000000000" pitchFamily="50" charset="-127"/>
-              </a:rPr>
-              <a:t>The Noun Project</a:t>
-            </a:r>
-          </a:p>
         </p:txBody>
       </p:sp>
       <p:pic>
         <p:nvPicPr>
-          <p:cNvPr id="4" name="그림 3"/>
+          <p:cNvPr id="2" name="그림 1"/>
           <p:cNvPicPr>
             <a:picLocks noChangeAspect="1"/>
           </p:cNvPicPr>
           <p:nvPr/>
         </p:nvPicPr>
         <p:blipFill>
-          <a:blip r:embed="rId2" cstate="print">
+          <a:blip r:embed="rId3" cstate="print">
             <a:extLst>
               <a:ext uri="{28A0092B-C50C-407E-A947-70E740481C1C}">
                 <a14:useLocalDpi xmlns:a14="http://schemas.microsoft.com/office/drawing/2010/main" val="0"/>
@@ -3401,8 +3563,8 @@
         </p:blipFill>
         <p:spPr>
           <a:xfrm>
-            <a:off x="2716427" y="1962533"/>
-            <a:ext cx="2417805" cy="2417805"/>
+            <a:off x="2436341" y="1759161"/>
+            <a:ext cx="2547551" cy="2547551"/>
           </a:xfrm>
           <a:prstGeom prst="rect">
             <a:avLst/>
@@ -3448,7 +3610,7 @@
         <p:spPr>
           <a:xfrm>
             <a:off x="6242349" y="2848271"/>
-            <a:ext cx="2697277" cy="646331"/>
+            <a:ext cx="2228495" cy="369332"/>
           </a:xfrm>
           <a:prstGeom prst="rect">
             <a:avLst/>
@@ -3461,45 +3623,32 @@
           <a:lstStyle/>
           <a:p>
             <a:r>
-              <a:rPr lang="en-US" altLang="ko-KR" dirty="0">
-                <a:latin typeface="넥슨 풋볼고딕 B" panose="020B0803000000000000" pitchFamily="50" charset="-127"/>
-                <a:ea typeface="넥슨 풋볼고딕 B" panose="020B0803000000000000" pitchFamily="50" charset="-127"/>
+              <a:rPr lang="en-US" altLang="ko-KR" dirty="0"/>
+              <a:t>Created by </a:t>
+            </a:r>
+            <a:r>
+              <a:rPr lang="en-US" altLang="ko-KR" dirty="0" err="1">
+                <a:hlinkClick r:id="rId2"/>
               </a:rPr>
-              <a:t>Group by irene hoffman </a:t>
-            </a:r>
-            <a:endParaRPr lang="en-US" altLang="ko-KR" dirty="0" smtClean="0">
+              <a:t>libberry</a:t>
+            </a:r>
+            <a:endParaRPr lang="en-US" altLang="ko-KR" dirty="0">
               <a:latin typeface="넥슨 풋볼고딕 B" panose="020B0803000000000000" pitchFamily="50" charset="-127"/>
               <a:ea typeface="넥슨 풋볼고딕 B" panose="020B0803000000000000" pitchFamily="50" charset="-127"/>
             </a:endParaRPr>
           </a:p>
-          <a:p>
-            <a:r>
-              <a:rPr lang="en-US" altLang="ko-KR" dirty="0" smtClean="0">
-                <a:latin typeface="넥슨 풋볼고딕 B" panose="020B0803000000000000" pitchFamily="50" charset="-127"/>
-                <a:ea typeface="넥슨 풋볼고딕 B" panose="020B0803000000000000" pitchFamily="50" charset="-127"/>
-              </a:rPr>
-              <a:t>from </a:t>
-            </a:r>
-            <a:r>
-              <a:rPr lang="en-US" altLang="ko-KR" dirty="0">
-                <a:latin typeface="넥슨 풋볼고딕 B" panose="020B0803000000000000" pitchFamily="50" charset="-127"/>
-                <a:ea typeface="넥슨 풋볼고딕 B" panose="020B0803000000000000" pitchFamily="50" charset="-127"/>
-              </a:rPr>
-              <a:t>The Noun Project</a:t>
-            </a:r>
-          </a:p>
         </p:txBody>
       </p:sp>
       <p:pic>
         <p:nvPicPr>
-          <p:cNvPr id="4" name="그림 3"/>
+          <p:cNvPr id="2" name="그림 1"/>
           <p:cNvPicPr>
             <a:picLocks noChangeAspect="1"/>
           </p:cNvPicPr>
           <p:nvPr/>
         </p:nvPicPr>
         <p:blipFill>
-          <a:blip r:embed="rId2" cstate="print">
+          <a:blip r:embed="rId3" cstate="print">
             <a:extLst>
               <a:ext uri="{28A0092B-C50C-407E-A947-70E740481C1C}">
                 <a14:useLocalDpi xmlns:a14="http://schemas.microsoft.com/office/drawing/2010/main" val="0"/>
@@ -3512,8 +3661,8 @@
         </p:blipFill>
         <p:spPr>
           <a:xfrm>
-            <a:off x="2716427" y="1962533"/>
-            <a:ext cx="2417805" cy="2417805"/>
+            <a:off x="2617573" y="1839097"/>
+            <a:ext cx="2201562" cy="2201562"/>
           </a:xfrm>
           <a:prstGeom prst="rect">
             <a:avLst/>
@@ -3559,7 +3708,7 @@
         <p:spPr>
           <a:xfrm>
             <a:off x="6242349" y="2848271"/>
-            <a:ext cx="2697277" cy="646331"/>
+            <a:ext cx="3047629" cy="369332"/>
           </a:xfrm>
           <a:prstGeom prst="rect">
             <a:avLst/>
@@ -3572,45 +3721,38 @@
           <a:lstStyle/>
           <a:p>
             <a:r>
+              <a:rPr lang="en-US" altLang="ko-KR" dirty="0"/>
+              <a:t>Created by </a:t>
+            </a:r>
+            <a:r>
               <a:rPr lang="en-US" altLang="ko-KR" dirty="0">
-                <a:latin typeface="넥슨 풋볼고딕 B" panose="020B0803000000000000" pitchFamily="50" charset="-127"/>
-                <a:ea typeface="넥슨 풋볼고딕 B" panose="020B0803000000000000" pitchFamily="50" charset="-127"/>
+                <a:hlinkClick r:id="rId2"/>
               </a:rPr>
-              <a:t>Group by irene hoffman </a:t>
-            </a:r>
-            <a:endParaRPr lang="en-US" altLang="ko-KR" dirty="0" smtClean="0">
+              <a:t>Ahmed </a:t>
+            </a:r>
+            <a:r>
+              <a:rPr lang="en-US" altLang="ko-KR" dirty="0" err="1">
+                <a:hlinkClick r:id="rId2"/>
+              </a:rPr>
+              <a:t>Elzahra</a:t>
+            </a:r>
+            <a:endParaRPr lang="en-US" altLang="ko-KR" dirty="0">
               <a:latin typeface="넥슨 풋볼고딕 B" panose="020B0803000000000000" pitchFamily="50" charset="-127"/>
               <a:ea typeface="넥슨 풋볼고딕 B" panose="020B0803000000000000" pitchFamily="50" charset="-127"/>
             </a:endParaRPr>
           </a:p>
-          <a:p>
-            <a:r>
-              <a:rPr lang="en-US" altLang="ko-KR" dirty="0" smtClean="0">
-                <a:latin typeface="넥슨 풋볼고딕 B" panose="020B0803000000000000" pitchFamily="50" charset="-127"/>
-                <a:ea typeface="넥슨 풋볼고딕 B" panose="020B0803000000000000" pitchFamily="50" charset="-127"/>
-              </a:rPr>
-              <a:t>from </a:t>
-            </a:r>
-            <a:r>
-              <a:rPr lang="en-US" altLang="ko-KR" dirty="0">
-                <a:latin typeface="넥슨 풋볼고딕 B" panose="020B0803000000000000" pitchFamily="50" charset="-127"/>
-                <a:ea typeface="넥슨 풋볼고딕 B" panose="020B0803000000000000" pitchFamily="50" charset="-127"/>
-              </a:rPr>
-              <a:t>The Noun Project</a:t>
-            </a:r>
-          </a:p>
         </p:txBody>
       </p:sp>
       <p:pic>
         <p:nvPicPr>
-          <p:cNvPr id="4" name="그림 3"/>
+          <p:cNvPr id="2" name="그림 1"/>
           <p:cNvPicPr>
             <a:picLocks noChangeAspect="1"/>
           </p:cNvPicPr>
           <p:nvPr/>
         </p:nvPicPr>
         <p:blipFill>
-          <a:blip r:embed="rId2" cstate="print">
+          <a:blip r:embed="rId3" cstate="print">
             <a:extLst>
               <a:ext uri="{28A0092B-C50C-407E-A947-70E740481C1C}">
                 <a14:useLocalDpi xmlns:a14="http://schemas.microsoft.com/office/drawing/2010/main" val="0"/>
@@ -3623,8 +3765,8 @@
         </p:blipFill>
         <p:spPr>
           <a:xfrm>
-            <a:off x="2716427" y="1962533"/>
-            <a:ext cx="2417805" cy="2417805"/>
+            <a:off x="1983260" y="1376102"/>
+            <a:ext cx="3313670" cy="3313670"/>
           </a:xfrm>
           <a:prstGeom prst="rect">
             <a:avLst/>
@@ -3670,7 +3812,7 @@
         <p:spPr>
           <a:xfrm>
             <a:off x="6242349" y="2848271"/>
-            <a:ext cx="2697277" cy="646331"/>
+            <a:ext cx="3267241" cy="369332"/>
           </a:xfrm>
           <a:prstGeom prst="rect">
             <a:avLst/>
@@ -3683,45 +3825,41 @@
           <a:lstStyle/>
           <a:p>
             <a:r>
+              <a:rPr lang="en-US" altLang="ko-KR" dirty="0"/>
+              <a:t>Created by </a:t>
+            </a:r>
+            <a:r>
+              <a:rPr lang="en-US" altLang="ko-KR" dirty="0" err="1">
+                <a:hlinkClick r:id="rId2"/>
+              </a:rPr>
+              <a:t>Dimitry</a:t>
+            </a:r>
+            <a:r>
               <a:rPr lang="en-US" altLang="ko-KR" dirty="0">
-                <a:latin typeface="넥슨 풋볼고딕 B" panose="020B0803000000000000" pitchFamily="50" charset="-127"/>
-                <a:ea typeface="넥슨 풋볼고딕 B" panose="020B0803000000000000" pitchFamily="50" charset="-127"/>
+                <a:hlinkClick r:id="rId2"/>
               </a:rPr>
-              <a:t>Group by irene hoffman </a:t>
-            </a:r>
-            <a:endParaRPr lang="en-US" altLang="ko-KR" dirty="0" smtClean="0">
-              <a:latin typeface="넥슨 풋볼고딕 B" panose="020B0803000000000000" pitchFamily="50" charset="-127"/>
-              <a:ea typeface="넥슨 풋볼고딕 B" panose="020B0803000000000000" pitchFamily="50" charset="-127"/>
-            </a:endParaRPr>
-          </a:p>
-          <a:p>
-            <a:r>
-              <a:rPr lang="en-US" altLang="ko-KR" dirty="0" smtClean="0">
-                <a:latin typeface="넥슨 풋볼고딕 B" panose="020B0803000000000000" pitchFamily="50" charset="-127"/>
-                <a:ea typeface="넥슨 풋볼고딕 B" panose="020B0803000000000000" pitchFamily="50" charset="-127"/>
+              <a:t> </a:t>
+            </a:r>
+            <a:r>
+              <a:rPr lang="en-US" altLang="ko-KR" dirty="0" err="1">
+                <a:hlinkClick r:id="rId2"/>
               </a:rPr>
-              <a:t>from </a:t>
-            </a:r>
-            <a:r>
-              <a:rPr lang="en-US" altLang="ko-KR" dirty="0">
-                <a:latin typeface="넥슨 풋볼고딕 B" panose="020B0803000000000000" pitchFamily="50" charset="-127"/>
-                <a:ea typeface="넥슨 풋볼고딕 B" panose="020B0803000000000000" pitchFamily="50" charset="-127"/>
-              </a:rPr>
-              <a:t>The Noun Project</a:t>
-            </a:r>
+              <a:t>Sunseifer</a:t>
+            </a:r>
+            <a:endParaRPr lang="en-US" altLang="ko-KR" dirty="0"/>
           </a:p>
         </p:txBody>
       </p:sp>
       <p:pic>
         <p:nvPicPr>
-          <p:cNvPr id="4" name="그림 3"/>
+          <p:cNvPr id="2" name="그림 1"/>
           <p:cNvPicPr>
             <a:picLocks noChangeAspect="1"/>
           </p:cNvPicPr>
           <p:nvPr/>
         </p:nvPicPr>
         <p:blipFill>
-          <a:blip r:embed="rId2" cstate="print">
+          <a:blip r:embed="rId3" cstate="print">
             <a:extLst>
               <a:ext uri="{28A0092B-C50C-407E-A947-70E740481C1C}">
                 <a14:useLocalDpi xmlns:a14="http://schemas.microsoft.com/office/drawing/2010/main" val="0"/>
@@ -3734,8 +3872,8 @@
         </p:blipFill>
         <p:spPr>
           <a:xfrm>
-            <a:off x="2716427" y="1962533"/>
-            <a:ext cx="2417805" cy="2417805"/>
+            <a:off x="2312773" y="2273642"/>
+            <a:ext cx="2022389" cy="2022389"/>
           </a:xfrm>
           <a:prstGeom prst="rect">
             <a:avLst/>
@@ -3781,7 +3919,7 @@
         <p:spPr>
           <a:xfrm>
             <a:off x="6242349" y="2848271"/>
-            <a:ext cx="2697277" cy="646331"/>
+            <a:ext cx="3202864" cy="369332"/>
           </a:xfrm>
           <a:prstGeom prst="rect">
             <a:avLst/>
@@ -3794,45 +3932,32 @@
           <a:lstStyle/>
           <a:p>
             <a:r>
+              <a:rPr lang="en-US" altLang="ko-KR" dirty="0"/>
+              <a:t>Created by </a:t>
+            </a:r>
+            <a:r>
               <a:rPr lang="en-US" altLang="ko-KR" dirty="0">
-                <a:latin typeface="넥슨 풋볼고딕 B" panose="020B0803000000000000" pitchFamily="50" charset="-127"/>
-                <a:ea typeface="넥슨 풋볼고딕 B" panose="020B0803000000000000" pitchFamily="50" charset="-127"/>
+                <a:hlinkClick r:id="rId2"/>
               </a:rPr>
-              <a:t>Group by irene hoffman </a:t>
-            </a:r>
-            <a:endParaRPr lang="en-US" altLang="ko-KR" dirty="0" smtClean="0">
+              <a:t>Juan Pablo Bravo</a:t>
+            </a:r>
+            <a:endParaRPr lang="en-US" altLang="ko-KR" dirty="0">
               <a:latin typeface="넥슨 풋볼고딕 B" panose="020B0803000000000000" pitchFamily="50" charset="-127"/>
               <a:ea typeface="넥슨 풋볼고딕 B" panose="020B0803000000000000" pitchFamily="50" charset="-127"/>
             </a:endParaRPr>
           </a:p>
-          <a:p>
-            <a:r>
-              <a:rPr lang="en-US" altLang="ko-KR" dirty="0" smtClean="0">
-                <a:latin typeface="넥슨 풋볼고딕 B" panose="020B0803000000000000" pitchFamily="50" charset="-127"/>
-                <a:ea typeface="넥슨 풋볼고딕 B" panose="020B0803000000000000" pitchFamily="50" charset="-127"/>
-              </a:rPr>
-              <a:t>from </a:t>
-            </a:r>
-            <a:r>
-              <a:rPr lang="en-US" altLang="ko-KR" dirty="0">
-                <a:latin typeface="넥슨 풋볼고딕 B" panose="020B0803000000000000" pitchFamily="50" charset="-127"/>
-                <a:ea typeface="넥슨 풋볼고딕 B" panose="020B0803000000000000" pitchFamily="50" charset="-127"/>
-              </a:rPr>
-              <a:t>The Noun Project</a:t>
-            </a:r>
-          </a:p>
         </p:txBody>
       </p:sp>
       <p:pic>
         <p:nvPicPr>
-          <p:cNvPr id="4" name="그림 3"/>
+          <p:cNvPr id="6" name="그림 5"/>
           <p:cNvPicPr>
             <a:picLocks noChangeAspect="1"/>
           </p:cNvPicPr>
           <p:nvPr/>
         </p:nvPicPr>
         <p:blipFill>
-          <a:blip r:embed="rId2" cstate="print">
+          <a:blip r:embed="rId3" cstate="print">
             <a:extLst>
               <a:ext uri="{28A0092B-C50C-407E-A947-70E740481C1C}">
                 <a14:useLocalDpi xmlns:a14="http://schemas.microsoft.com/office/drawing/2010/main" val="0"/>
@@ -3845,8 +3970,8 @@
         </p:blipFill>
         <p:spPr>
           <a:xfrm>
-            <a:off x="2716427" y="1962533"/>
-            <a:ext cx="2417805" cy="2417805"/>
+            <a:off x="2622182" y="1869171"/>
+            <a:ext cx="2604529" cy="2604529"/>
           </a:xfrm>
           <a:prstGeom prst="rect">
             <a:avLst/>
@@ -3892,7 +4017,7 @@
         <p:spPr>
           <a:xfrm>
             <a:off x="6242349" y="2848271"/>
-            <a:ext cx="2697277" cy="646331"/>
+            <a:ext cx="2753895" cy="369332"/>
           </a:xfrm>
           <a:prstGeom prst="rect">
             <a:avLst/>
@@ -3905,45 +4030,44 @@
           <a:lstStyle/>
           <a:p>
             <a:r>
+              <a:rPr lang="en-US" altLang="ko-KR" dirty="0"/>
+              <a:t>Created by </a:t>
+            </a:r>
+            <a:r>
+              <a:rPr lang="en-US" altLang="ko-KR" dirty="0" err="1">
+                <a:hlinkClick r:id="rId2"/>
+              </a:rPr>
+              <a:t>Ecem</a:t>
+            </a:r>
+            <a:r>
               <a:rPr lang="en-US" altLang="ko-KR" dirty="0">
-                <a:latin typeface="넥슨 풋볼고딕 B" panose="020B0803000000000000" pitchFamily="50" charset="-127"/>
-                <a:ea typeface="넥슨 풋볼고딕 B" panose="020B0803000000000000" pitchFamily="50" charset="-127"/>
+                <a:hlinkClick r:id="rId2"/>
               </a:rPr>
-              <a:t>Group by irene hoffman </a:t>
-            </a:r>
-            <a:endParaRPr lang="en-US" altLang="ko-KR" dirty="0" smtClean="0">
+              <a:t> </a:t>
+            </a:r>
+            <a:r>
+              <a:rPr lang="en-US" altLang="ko-KR" dirty="0" err="1">
+                <a:hlinkClick r:id="rId2"/>
+              </a:rPr>
+              <a:t>Afacan</a:t>
+            </a:r>
+            <a:endParaRPr lang="en-US" altLang="ko-KR" dirty="0">
               <a:latin typeface="넥슨 풋볼고딕 B" panose="020B0803000000000000" pitchFamily="50" charset="-127"/>
               <a:ea typeface="넥슨 풋볼고딕 B" panose="020B0803000000000000" pitchFamily="50" charset="-127"/>
             </a:endParaRPr>
           </a:p>
-          <a:p>
-            <a:r>
-              <a:rPr lang="en-US" altLang="ko-KR" dirty="0" smtClean="0">
-                <a:latin typeface="넥슨 풋볼고딕 B" panose="020B0803000000000000" pitchFamily="50" charset="-127"/>
-                <a:ea typeface="넥슨 풋볼고딕 B" panose="020B0803000000000000" pitchFamily="50" charset="-127"/>
-              </a:rPr>
-              <a:t>from </a:t>
-            </a:r>
-            <a:r>
-              <a:rPr lang="en-US" altLang="ko-KR" dirty="0">
-                <a:latin typeface="넥슨 풋볼고딕 B" panose="020B0803000000000000" pitchFamily="50" charset="-127"/>
-                <a:ea typeface="넥슨 풋볼고딕 B" panose="020B0803000000000000" pitchFamily="50" charset="-127"/>
-              </a:rPr>
-              <a:t>The Noun Project</a:t>
-            </a:r>
-          </a:p>
         </p:txBody>
       </p:sp>
       <p:pic>
         <p:nvPicPr>
-          <p:cNvPr id="4" name="그림 3"/>
+          <p:cNvPr id="2" name="그림 1"/>
           <p:cNvPicPr>
             <a:picLocks noChangeAspect="1"/>
           </p:cNvPicPr>
           <p:nvPr/>
         </p:nvPicPr>
         <p:blipFill>
-          <a:blip r:embed="rId2" cstate="print">
+          <a:blip r:embed="rId3" cstate="print">
             <a:extLst>
               <a:ext uri="{28A0092B-C50C-407E-A947-70E740481C1C}">
                 <a14:useLocalDpi xmlns:a14="http://schemas.microsoft.com/office/drawing/2010/main" val="0"/>
@@ -3956,8 +4080,8 @@
         </p:blipFill>
         <p:spPr>
           <a:xfrm>
-            <a:off x="2716427" y="1962533"/>
-            <a:ext cx="2417805" cy="2417805"/>
+            <a:off x="2279822" y="1670090"/>
+            <a:ext cx="3002692" cy="3002692"/>
           </a:xfrm>
           <a:prstGeom prst="rect">
             <a:avLst/>
@@ -4003,7 +4127,7 @@
         <p:spPr>
           <a:xfrm>
             <a:off x="6242349" y="2848271"/>
-            <a:ext cx="2697277" cy="646331"/>
+            <a:ext cx="2534668" cy="369332"/>
           </a:xfrm>
           <a:prstGeom prst="rect">
             <a:avLst/>
@@ -4016,45 +4140,32 @@
           <a:lstStyle/>
           <a:p>
             <a:r>
+              <a:rPr lang="en-US" altLang="ko-KR" dirty="0"/>
+              <a:t>Created by </a:t>
+            </a:r>
+            <a:r>
               <a:rPr lang="en-US" altLang="ko-KR" dirty="0">
-                <a:latin typeface="넥슨 풋볼고딕 B" panose="020B0803000000000000" pitchFamily="50" charset="-127"/>
-                <a:ea typeface="넥슨 풋볼고딕 B" panose="020B0803000000000000" pitchFamily="50" charset="-127"/>
+                <a:hlinkClick r:id="rId2"/>
               </a:rPr>
-              <a:t>Group by irene hoffman </a:t>
-            </a:r>
-            <a:endParaRPr lang="en-US" altLang="ko-KR" dirty="0" smtClean="0">
+              <a:t>Uriel Sosa</a:t>
+            </a:r>
+            <a:endParaRPr lang="en-US" altLang="ko-KR" dirty="0">
               <a:latin typeface="넥슨 풋볼고딕 B" panose="020B0803000000000000" pitchFamily="50" charset="-127"/>
               <a:ea typeface="넥슨 풋볼고딕 B" panose="020B0803000000000000" pitchFamily="50" charset="-127"/>
             </a:endParaRPr>
           </a:p>
-          <a:p>
-            <a:r>
-              <a:rPr lang="en-US" altLang="ko-KR" dirty="0" smtClean="0">
-                <a:latin typeface="넥슨 풋볼고딕 B" panose="020B0803000000000000" pitchFamily="50" charset="-127"/>
-                <a:ea typeface="넥슨 풋볼고딕 B" panose="020B0803000000000000" pitchFamily="50" charset="-127"/>
-              </a:rPr>
-              <a:t>from </a:t>
-            </a:r>
-            <a:r>
-              <a:rPr lang="en-US" altLang="ko-KR" dirty="0">
-                <a:latin typeface="넥슨 풋볼고딕 B" panose="020B0803000000000000" pitchFamily="50" charset="-127"/>
-                <a:ea typeface="넥슨 풋볼고딕 B" panose="020B0803000000000000" pitchFamily="50" charset="-127"/>
-              </a:rPr>
-              <a:t>The Noun Project</a:t>
-            </a:r>
-          </a:p>
         </p:txBody>
       </p:sp>
       <p:pic>
         <p:nvPicPr>
-          <p:cNvPr id="4" name="그림 3"/>
+          <p:cNvPr id="2" name="그림 1"/>
           <p:cNvPicPr>
             <a:picLocks noChangeAspect="1"/>
           </p:cNvPicPr>
           <p:nvPr/>
         </p:nvPicPr>
         <p:blipFill>
-          <a:blip r:embed="rId2" cstate="print">
+          <a:blip r:embed="rId3" cstate="print">
             <a:extLst>
               <a:ext uri="{28A0092B-C50C-407E-A947-70E740481C1C}">
                 <a14:useLocalDpi xmlns:a14="http://schemas.microsoft.com/office/drawing/2010/main" val="0"/>
@@ -4067,8 +4178,8 @@
         </p:blipFill>
         <p:spPr>
           <a:xfrm>
-            <a:off x="2716427" y="1962533"/>
-            <a:ext cx="2417805" cy="2417805"/>
+            <a:off x="2062245" y="1397404"/>
+            <a:ext cx="3640397" cy="3640397"/>
           </a:xfrm>
           <a:prstGeom prst="rect">
             <a:avLst/>
@@ -4114,7 +4225,7 @@
         <p:spPr>
           <a:xfrm>
             <a:off x="6242349" y="2848271"/>
-            <a:ext cx="2697277" cy="646331"/>
+            <a:ext cx="2648033" cy="369332"/>
           </a:xfrm>
           <a:prstGeom prst="rect">
             <a:avLst/>
@@ -4127,45 +4238,32 @@
           <a:lstStyle/>
           <a:p>
             <a:r>
+              <a:rPr lang="en-US" altLang="ko-KR" dirty="0"/>
+              <a:t>Created by </a:t>
+            </a:r>
+            <a:r>
               <a:rPr lang="en-US" altLang="ko-KR" dirty="0">
-                <a:latin typeface="넥슨 풋볼고딕 B" panose="020B0803000000000000" pitchFamily="50" charset="-127"/>
-                <a:ea typeface="넥슨 풋볼고딕 B" panose="020B0803000000000000" pitchFamily="50" charset="-127"/>
+                <a:hlinkClick r:id="rId2"/>
               </a:rPr>
-              <a:t>Group by irene hoffman </a:t>
-            </a:r>
-            <a:endParaRPr lang="en-US" altLang="ko-KR" dirty="0" smtClean="0">
+              <a:t>Claire Jones</a:t>
+            </a:r>
+            <a:endParaRPr lang="en-US" altLang="ko-KR" dirty="0">
               <a:latin typeface="넥슨 풋볼고딕 B" panose="020B0803000000000000" pitchFamily="50" charset="-127"/>
               <a:ea typeface="넥슨 풋볼고딕 B" panose="020B0803000000000000" pitchFamily="50" charset="-127"/>
             </a:endParaRPr>
           </a:p>
-          <a:p>
-            <a:r>
-              <a:rPr lang="en-US" altLang="ko-KR" dirty="0" smtClean="0">
-                <a:latin typeface="넥슨 풋볼고딕 B" panose="020B0803000000000000" pitchFamily="50" charset="-127"/>
-                <a:ea typeface="넥슨 풋볼고딕 B" panose="020B0803000000000000" pitchFamily="50" charset="-127"/>
-              </a:rPr>
-              <a:t>from </a:t>
-            </a:r>
-            <a:r>
-              <a:rPr lang="en-US" altLang="ko-KR" dirty="0">
-                <a:latin typeface="넥슨 풋볼고딕 B" panose="020B0803000000000000" pitchFamily="50" charset="-127"/>
-                <a:ea typeface="넥슨 풋볼고딕 B" panose="020B0803000000000000" pitchFamily="50" charset="-127"/>
-              </a:rPr>
-              <a:t>The Noun Project</a:t>
-            </a:r>
-          </a:p>
         </p:txBody>
       </p:sp>
       <p:pic>
         <p:nvPicPr>
-          <p:cNvPr id="4" name="그림 3"/>
+          <p:cNvPr id="2" name="그림 1"/>
           <p:cNvPicPr>
             <a:picLocks noChangeAspect="1"/>
           </p:cNvPicPr>
           <p:nvPr/>
         </p:nvPicPr>
         <p:blipFill>
-          <a:blip r:embed="rId2" cstate="print">
+          <a:blip r:embed="rId3" cstate="print">
             <a:extLst>
               <a:ext uri="{28A0092B-C50C-407E-A947-70E740481C1C}">
                 <a14:useLocalDpi xmlns:a14="http://schemas.microsoft.com/office/drawing/2010/main" val="0"/>
@@ -4178,8 +4276,8 @@
         </p:blipFill>
         <p:spPr>
           <a:xfrm>
-            <a:off x="2716427" y="1962533"/>
-            <a:ext cx="2417805" cy="2417805"/>
+            <a:off x="2152650" y="1704586"/>
+            <a:ext cx="2933700" cy="2933700"/>
           </a:xfrm>
           <a:prstGeom prst="rect">
             <a:avLst/>
@@ -4306,6 +4404,292 @@
 </p:sld>
 </file>
 
+<file path=ppt/slides/slide20.xml><?xml version="1.0" encoding="utf-8"?>
+<p:sld xmlns:a="http://schemas.openxmlformats.org/drawingml/2006/main" xmlns:r="http://schemas.openxmlformats.org/officeDocument/2006/relationships" xmlns:p="http://schemas.openxmlformats.org/presentationml/2006/main">
+  <p:cSld>
+    <p:spTree>
+      <p:nvGrpSpPr>
+        <p:cNvPr id="1" name=""/>
+        <p:cNvGrpSpPr/>
+        <p:nvPr/>
+      </p:nvGrpSpPr>
+      <p:grpSpPr>
+        <a:xfrm>
+          <a:off x="0" y="0"/>
+          <a:ext cx="0" cy="0"/>
+          <a:chOff x="0" y="0"/>
+          <a:chExt cx="0" cy="0"/>
+        </a:xfrm>
+      </p:grpSpPr>
+      <p:pic>
+        <p:nvPicPr>
+          <p:cNvPr id="4" name="그림 3"/>
+          <p:cNvPicPr>
+            <a:picLocks noChangeAspect="1"/>
+          </p:cNvPicPr>
+          <p:nvPr/>
+        </p:nvPicPr>
+        <p:blipFill>
+          <a:blip r:embed="rId2" cstate="print">
+            <a:extLst>
+              <a:ext uri="{28A0092B-C50C-407E-A947-70E740481C1C}">
+                <a14:useLocalDpi xmlns:a14="http://schemas.microsoft.com/office/drawing/2010/main" val="0"/>
+              </a:ext>
+            </a:extLst>
+          </a:blip>
+          <a:stretch>
+            <a:fillRect/>
+          </a:stretch>
+        </p:blipFill>
+        <p:spPr>
+          <a:xfrm>
+            <a:off x="2457450" y="1524000"/>
+            <a:ext cx="3200400" cy="3200400"/>
+          </a:xfrm>
+          <a:prstGeom prst="rect">
+            <a:avLst/>
+          </a:prstGeom>
+        </p:spPr>
+      </p:pic>
+      <p:sp>
+        <p:nvSpPr>
+          <p:cNvPr id="5" name="직사각형 4"/>
+          <p:cNvSpPr/>
+          <p:nvPr/>
+        </p:nvSpPr>
+        <p:spPr>
+          <a:xfrm>
+            <a:off x="6729343" y="2939534"/>
+            <a:ext cx="2648033" cy="369332"/>
+          </a:xfrm>
+          <a:prstGeom prst="rect">
+            <a:avLst/>
+          </a:prstGeom>
+        </p:spPr>
+        <p:txBody>
+          <a:bodyPr wrap="none">
+            <a:spAutoFit/>
+          </a:bodyPr>
+          <a:lstStyle/>
+          <a:p>
+            <a:r>
+              <a:rPr lang="en-US" altLang="ko-KR" dirty="0">
+                <a:solidFill>
+                  <a:srgbClr val="000000"/>
+                </a:solidFill>
+                <a:latin typeface="+mn-ea"/>
+              </a:rPr>
+              <a:t>Created by </a:t>
+            </a:r>
+            <a:r>
+              <a:rPr lang="en-US" altLang="ko-KR" dirty="0">
+                <a:solidFill>
+                  <a:srgbClr val="333333"/>
+                </a:solidFill>
+                <a:latin typeface="+mn-ea"/>
+                <a:hlinkClick r:id="rId3"/>
+              </a:rPr>
+              <a:t>Claire Jones</a:t>
+            </a:r>
+            <a:endParaRPr lang="ko-KR" altLang="en-US" dirty="0">
+              <a:latin typeface="+mn-ea"/>
+            </a:endParaRPr>
+          </a:p>
+        </p:txBody>
+      </p:sp>
+    </p:spTree>
+    <p:extLst>
+      <p:ext uri="{BB962C8B-B14F-4D97-AF65-F5344CB8AC3E}">
+        <p14:creationId xmlns:p14="http://schemas.microsoft.com/office/powerpoint/2010/main" val="4201008552"/>
+      </p:ext>
+    </p:extLst>
+  </p:cSld>
+  <p:clrMapOvr>
+    <a:masterClrMapping/>
+  </p:clrMapOvr>
+</p:sld>
+</file>
+
+<file path=ppt/slides/slide21.xml><?xml version="1.0" encoding="utf-8"?>
+<p:sld xmlns:a="http://schemas.openxmlformats.org/drawingml/2006/main" xmlns:r="http://schemas.openxmlformats.org/officeDocument/2006/relationships" xmlns:p="http://schemas.openxmlformats.org/presentationml/2006/main">
+  <p:cSld>
+    <p:spTree>
+      <p:nvGrpSpPr>
+        <p:cNvPr id="1" name=""/>
+        <p:cNvGrpSpPr/>
+        <p:nvPr/>
+      </p:nvGrpSpPr>
+      <p:grpSpPr>
+        <a:xfrm>
+          <a:off x="0" y="0"/>
+          <a:ext cx="0" cy="0"/>
+          <a:chOff x="0" y="0"/>
+          <a:chExt cx="0" cy="0"/>
+        </a:xfrm>
+      </p:grpSpPr>
+      <p:sp>
+        <p:nvSpPr>
+          <p:cNvPr id="4" name="제목 3"/>
+          <p:cNvSpPr>
+            <a:spLocks noGrp="1"/>
+          </p:cNvSpPr>
+          <p:nvPr>
+            <p:ph type="title"/>
+          </p:nvPr>
+        </p:nvSpPr>
+        <p:spPr/>
+        <p:txBody>
+          <a:bodyPr/>
+          <a:lstStyle/>
+          <a:p>
+            <a:r>
+              <a:rPr lang="en-US" altLang="ko-KR" dirty="0"/>
+              <a:t>Created by </a:t>
+            </a:r>
+            <a:r>
+              <a:rPr lang="en-US" altLang="ko-KR" dirty="0">
+                <a:hlinkClick r:id="rId2"/>
+              </a:rPr>
+              <a:t>Wilson Joseph</a:t>
+            </a:r>
+            <a:endParaRPr lang="ko-KR" altLang="en-US" dirty="0"/>
+          </a:p>
+        </p:txBody>
+      </p:sp>
+      <p:pic>
+        <p:nvPicPr>
+          <p:cNvPr id="5" name="그림 4"/>
+          <p:cNvPicPr>
+            <a:picLocks noChangeAspect="1"/>
+          </p:cNvPicPr>
+          <p:nvPr/>
+        </p:nvPicPr>
+        <p:blipFill>
+          <a:blip r:embed="rId3" cstate="print">
+            <a:extLst>
+              <a:ext uri="{28A0092B-C50C-407E-A947-70E740481C1C}">
+                <a14:useLocalDpi xmlns:a14="http://schemas.microsoft.com/office/drawing/2010/main" val="0"/>
+              </a:ext>
+            </a:extLst>
+          </a:blip>
+          <a:stretch>
+            <a:fillRect/>
+          </a:stretch>
+        </p:blipFill>
+        <p:spPr>
+          <a:xfrm>
+            <a:off x="1055688" y="1996547"/>
+            <a:ext cx="3600450" cy="3600450"/>
+          </a:xfrm>
+          <a:prstGeom prst="rect">
+            <a:avLst/>
+          </a:prstGeom>
+        </p:spPr>
+      </p:pic>
+    </p:spTree>
+    <p:extLst>
+      <p:ext uri="{BB962C8B-B14F-4D97-AF65-F5344CB8AC3E}">
+        <p14:creationId xmlns:p14="http://schemas.microsoft.com/office/powerpoint/2010/main" val="3565277547"/>
+      </p:ext>
+    </p:extLst>
+  </p:cSld>
+  <p:clrMapOvr>
+    <a:masterClrMapping/>
+  </p:clrMapOvr>
+  <p:timing>
+    <p:tnLst>
+      <p:par>
+        <p:cTn id="1" dur="indefinite" restart="never" nodeType="tmRoot"/>
+      </p:par>
+    </p:tnLst>
+  </p:timing>
+</p:sld>
+</file>
+
+<file path=ppt/slides/slide22.xml><?xml version="1.0" encoding="utf-8"?>
+<p:sld xmlns:a="http://schemas.openxmlformats.org/drawingml/2006/main" xmlns:r="http://schemas.openxmlformats.org/officeDocument/2006/relationships" xmlns:p="http://schemas.openxmlformats.org/presentationml/2006/main">
+  <p:cSld>
+    <p:spTree>
+      <p:nvGrpSpPr>
+        <p:cNvPr id="1" name=""/>
+        <p:cNvGrpSpPr/>
+        <p:nvPr/>
+      </p:nvGrpSpPr>
+      <p:grpSpPr>
+        <a:xfrm>
+          <a:off x="0" y="0"/>
+          <a:ext cx="0" cy="0"/>
+          <a:chOff x="0" y="0"/>
+          <a:chExt cx="0" cy="0"/>
+        </a:xfrm>
+      </p:grpSpPr>
+      <p:sp>
+        <p:nvSpPr>
+          <p:cNvPr id="2" name="제목 1"/>
+          <p:cNvSpPr>
+            <a:spLocks noGrp="1"/>
+          </p:cNvSpPr>
+          <p:nvPr>
+            <p:ph type="title"/>
+          </p:nvPr>
+        </p:nvSpPr>
+        <p:spPr/>
+        <p:txBody>
+          <a:bodyPr/>
+          <a:lstStyle/>
+          <a:p>
+            <a:r>
+              <a:rPr lang="en-US" altLang="ko-KR" dirty="0"/>
+              <a:t>Created by </a:t>
+            </a:r>
+            <a:r>
+              <a:rPr lang="en-US" altLang="ko-KR" dirty="0">
+                <a:hlinkClick r:id="rId2"/>
+              </a:rPr>
+              <a:t>Vincent Lynch</a:t>
+            </a:r>
+            <a:endParaRPr lang="ko-KR" altLang="en-US" dirty="0"/>
+          </a:p>
+        </p:txBody>
+      </p:sp>
+      <p:pic>
+        <p:nvPicPr>
+          <p:cNvPr id="4" name="그림 개체 틀 3"/>
+          <p:cNvPicPr>
+            <a:picLocks noGrp="1" noChangeAspect="1"/>
+          </p:cNvPicPr>
+          <p:nvPr>
+            <p:ph type="pic" sz="quarter" idx="13"/>
+          </p:nvPr>
+        </p:nvPicPr>
+        <p:blipFill>
+          <a:blip r:embed="rId3" cstate="print">
+            <a:extLst>
+              <a:ext uri="{28A0092B-C50C-407E-A947-70E740481C1C}">
+                <a14:useLocalDpi xmlns:a14="http://schemas.microsoft.com/office/drawing/2010/main" val="0"/>
+              </a:ext>
+            </a:extLst>
+          </a:blip>
+          <a:srcRect/>
+          <a:stretch>
+            <a:fillRect/>
+          </a:stretch>
+        </p:blipFill>
+        <p:spPr/>
+      </p:pic>
+    </p:spTree>
+    <p:extLst>
+      <p:ext uri="{BB962C8B-B14F-4D97-AF65-F5344CB8AC3E}">
+        <p14:creationId xmlns:p14="http://schemas.microsoft.com/office/powerpoint/2010/main" val="1541775068"/>
+      </p:ext>
+    </p:extLst>
+  </p:cSld>
+  <p:clrMapOvr>
+    <a:masterClrMapping/>
+  </p:clrMapOvr>
+</p:sld>
+</file>
+
 <file path=ppt/slides/slide3.xml><?xml version="1.0" encoding="utf-8"?>
 <p:sld xmlns:a="http://schemas.openxmlformats.org/drawingml/2006/main" xmlns:r="http://schemas.openxmlformats.org/officeDocument/2006/relationships" xmlns:p="http://schemas.openxmlformats.org/presentationml/2006/main">
   <p:cSld>
@@ -5102,10 +5486,6 @@
               </a:rPr>
               <a:t>the Noun Project</a:t>
             </a:r>
-            <a:endParaRPr lang="en-US" altLang="ko-KR" dirty="0">
-              <a:latin typeface="넥슨 풋볼고딕 B" panose="020B0803000000000000" pitchFamily="50" charset="-127"/>
-              <a:ea typeface="넥슨 풋볼고딕 B" panose="020B0803000000000000" pitchFamily="50" charset="-127"/>
-            </a:endParaRPr>
           </a:p>
         </p:txBody>
       </p:sp>

--- a/presentation/credit.pptx
+++ b/presentation/credit.pptx
@@ -27,6 +27,13 @@
     <p:sldId id="277" r:id="rId21"/>
     <p:sldId id="278" r:id="rId22"/>
     <p:sldId id="279" r:id="rId23"/>
+    <p:sldId id="280" r:id="rId24"/>
+    <p:sldId id="281" r:id="rId25"/>
+    <p:sldId id="282" r:id="rId26"/>
+    <p:sldId id="283" r:id="rId27"/>
+    <p:sldId id="284" r:id="rId28"/>
+    <p:sldId id="285" r:id="rId29"/>
+    <p:sldId id="286" r:id="rId30"/>
   </p:sldIdLst>
   <p:sldSz cx="12192000" cy="6858000"/>
   <p:notesSz cx="6858000" cy="9144000"/>
@@ -264,7 +271,7 @@
           <a:p>
             <a:fld id="{47FBABC7-F946-4B58-B56F-B35BD43FEC76}" type="datetimeFigureOut">
               <a:rPr lang="ko-KR" altLang="en-US" smtClean="0"/>
-              <a:t>2014-12-08</a:t>
+              <a:t>2014-12-15</a:t>
             </a:fld>
             <a:endParaRPr lang="ko-KR" altLang="en-US"/>
           </a:p>
@@ -517,7 +524,7 @@
           <a:p>
             <a:fld id="{47FBABC7-F946-4B58-B56F-B35BD43FEC76}" type="datetimeFigureOut">
               <a:rPr lang="ko-KR" altLang="en-US" smtClean="0"/>
-              <a:t>2014-12-08</a:t>
+              <a:t>2014-12-15</a:t>
             </a:fld>
             <a:endParaRPr lang="ko-KR" altLang="en-US"/>
           </a:p>
@@ -687,7 +694,7 @@
           <a:p>
             <a:fld id="{47FBABC7-F946-4B58-B56F-B35BD43FEC76}" type="datetimeFigureOut">
               <a:rPr lang="ko-KR" altLang="en-US" smtClean="0"/>
-              <a:t>2014-12-08</a:t>
+              <a:t>2014-12-15</a:t>
             </a:fld>
             <a:endParaRPr lang="ko-KR" altLang="en-US"/>
           </a:p>
@@ -867,7 +874,7 @@
           <a:p>
             <a:fld id="{47FBABC7-F946-4B58-B56F-B35BD43FEC76}" type="datetimeFigureOut">
               <a:rPr lang="ko-KR" altLang="en-US" smtClean="0"/>
-              <a:t>2014-12-08</a:t>
+              <a:t>2014-12-15</a:t>
             </a:fld>
             <a:endParaRPr lang="ko-KR" altLang="en-US"/>
           </a:p>
@@ -1037,7 +1044,7 @@
           <a:p>
             <a:fld id="{47FBABC7-F946-4B58-B56F-B35BD43FEC76}" type="datetimeFigureOut">
               <a:rPr lang="ko-KR" altLang="en-US" smtClean="0"/>
-              <a:t>2014-12-08</a:t>
+              <a:t>2014-12-15</a:t>
             </a:fld>
             <a:endParaRPr lang="ko-KR" altLang="en-US"/>
           </a:p>
@@ -1166,7 +1173,7 @@
           <a:p>
             <a:fld id="{47FBABC7-F946-4B58-B56F-B35BD43FEC76}" type="datetimeFigureOut">
               <a:rPr lang="ko-KR" altLang="en-US" smtClean="0"/>
-              <a:t>2014-12-08</a:t>
+              <a:t>2014-12-15</a:t>
             </a:fld>
             <a:endParaRPr lang="ko-KR" altLang="en-US"/>
           </a:p>
@@ -1467,7 +1474,7 @@
           <a:p>
             <a:fld id="{47FBABC7-F946-4B58-B56F-B35BD43FEC76}" type="datetimeFigureOut">
               <a:rPr lang="ko-KR" altLang="en-US" smtClean="0"/>
-              <a:t>2014-12-08</a:t>
+              <a:t>2014-12-15</a:t>
             </a:fld>
             <a:endParaRPr lang="ko-KR" altLang="en-US"/>
           </a:p>
@@ -1699,7 +1706,7 @@
           <a:p>
             <a:fld id="{47FBABC7-F946-4B58-B56F-B35BD43FEC76}" type="datetimeFigureOut">
               <a:rPr lang="ko-KR" altLang="en-US" smtClean="0"/>
-              <a:t>2014-12-08</a:t>
+              <a:t>2014-12-15</a:t>
             </a:fld>
             <a:endParaRPr lang="ko-KR" altLang="en-US"/>
           </a:p>
@@ -2066,7 +2073,7 @@
           <a:p>
             <a:fld id="{47FBABC7-F946-4B58-B56F-B35BD43FEC76}" type="datetimeFigureOut">
               <a:rPr lang="ko-KR" altLang="en-US" smtClean="0"/>
-              <a:t>2014-12-08</a:t>
+              <a:t>2014-12-15</a:t>
             </a:fld>
             <a:endParaRPr lang="ko-KR" altLang="en-US"/>
           </a:p>
@@ -2184,7 +2191,7 @@
           <a:p>
             <a:fld id="{47FBABC7-F946-4B58-B56F-B35BD43FEC76}" type="datetimeFigureOut">
               <a:rPr lang="ko-KR" altLang="en-US" smtClean="0"/>
-              <a:t>2014-12-08</a:t>
+              <a:t>2014-12-15</a:t>
             </a:fld>
             <a:endParaRPr lang="ko-KR" altLang="en-US"/>
           </a:p>
@@ -2279,7 +2286,7 @@
           <a:p>
             <a:fld id="{47FBABC7-F946-4B58-B56F-B35BD43FEC76}" type="datetimeFigureOut">
               <a:rPr lang="ko-KR" altLang="en-US" smtClean="0"/>
-              <a:t>2014-12-08</a:t>
+              <a:t>2014-12-15</a:t>
             </a:fld>
             <a:endParaRPr lang="ko-KR" altLang="en-US"/>
           </a:p>
@@ -2556,7 +2563,7 @@
           <a:p>
             <a:fld id="{47FBABC7-F946-4B58-B56F-B35BD43FEC76}" type="datetimeFigureOut">
               <a:rPr lang="ko-KR" altLang="en-US" smtClean="0"/>
-              <a:t>2014-12-08</a:t>
+              <a:t>2014-12-15</a:t>
             </a:fld>
             <a:endParaRPr lang="ko-KR" altLang="en-US"/>
           </a:p>
@@ -2769,7 +2776,7 @@
           <a:p>
             <a:fld id="{47FBABC7-F946-4B58-B56F-B35BD43FEC76}" type="datetimeFigureOut">
               <a:rPr lang="ko-KR" altLang="en-US" smtClean="0"/>
-              <a:t>2014-12-08</a:t>
+              <a:t>2014-12-15</a:t>
             </a:fld>
             <a:endParaRPr lang="ko-KR" altLang="en-US"/>
           </a:p>
@@ -4690,6 +4697,577 @@
 </p:sld>
 </file>
 
+<file path=ppt/slides/slide23.xml><?xml version="1.0" encoding="utf-8"?>
+<p:sld xmlns:a="http://schemas.openxmlformats.org/drawingml/2006/main" xmlns:r="http://schemas.openxmlformats.org/officeDocument/2006/relationships" xmlns:p="http://schemas.openxmlformats.org/presentationml/2006/main">
+  <p:cSld>
+    <p:spTree>
+      <p:nvGrpSpPr>
+        <p:cNvPr id="1" name=""/>
+        <p:cNvGrpSpPr/>
+        <p:nvPr/>
+      </p:nvGrpSpPr>
+      <p:grpSpPr>
+        <a:xfrm>
+          <a:off x="0" y="0"/>
+          <a:ext cx="0" cy="0"/>
+          <a:chOff x="0" y="0"/>
+          <a:chExt cx="0" cy="0"/>
+        </a:xfrm>
+      </p:grpSpPr>
+      <p:sp>
+        <p:nvSpPr>
+          <p:cNvPr id="2" name="제목 1"/>
+          <p:cNvSpPr>
+            <a:spLocks noGrp="1"/>
+          </p:cNvSpPr>
+          <p:nvPr>
+            <p:ph type="title"/>
+          </p:nvPr>
+        </p:nvSpPr>
+        <p:spPr/>
+        <p:txBody>
+          <a:bodyPr/>
+          <a:lstStyle/>
+          <a:p>
+            <a:r>
+              <a:rPr lang="en-US" altLang="ko-KR" dirty="0"/>
+              <a:t>Created by Tim </a:t>
+            </a:r>
+            <a:r>
+              <a:rPr lang="en-US" altLang="ko-KR" dirty="0" err="1"/>
+              <a:t>Jager</a:t>
+            </a:r>
+            <a:endParaRPr lang="ko-KR" altLang="en-US" dirty="0"/>
+          </a:p>
+        </p:txBody>
+      </p:sp>
+      <p:pic>
+        <p:nvPicPr>
+          <p:cNvPr id="4" name="그림 개체 틀 3"/>
+          <p:cNvPicPr>
+            <a:picLocks noGrp="1" noChangeAspect="1"/>
+          </p:cNvPicPr>
+          <p:nvPr>
+            <p:ph type="pic" sz="quarter" idx="13"/>
+          </p:nvPr>
+        </p:nvPicPr>
+        <p:blipFill>
+          <a:blip r:embed="rId2" cstate="print">
+            <a:extLst>
+              <a:ext uri="{28A0092B-C50C-407E-A947-70E740481C1C}">
+                <a14:useLocalDpi xmlns:a14="http://schemas.microsoft.com/office/drawing/2010/main" val="0"/>
+              </a:ext>
+            </a:extLst>
+          </a:blip>
+          <a:srcRect/>
+          <a:stretch>
+            <a:fillRect/>
+          </a:stretch>
+        </p:blipFill>
+        <p:spPr/>
+      </p:pic>
+    </p:spTree>
+    <p:extLst>
+      <p:ext uri="{BB962C8B-B14F-4D97-AF65-F5344CB8AC3E}">
+        <p14:creationId xmlns:p14="http://schemas.microsoft.com/office/powerpoint/2010/main" val="2204358978"/>
+      </p:ext>
+    </p:extLst>
+  </p:cSld>
+  <p:clrMapOvr>
+    <a:masterClrMapping/>
+  </p:clrMapOvr>
+  <p:timing>
+    <p:tnLst>
+      <p:par>
+        <p:cTn id="1" dur="indefinite" restart="never" nodeType="tmRoot"/>
+      </p:par>
+    </p:tnLst>
+  </p:timing>
+</p:sld>
+</file>
+
+<file path=ppt/slides/slide24.xml><?xml version="1.0" encoding="utf-8"?>
+<p:sld xmlns:a="http://schemas.openxmlformats.org/drawingml/2006/main" xmlns:r="http://schemas.openxmlformats.org/officeDocument/2006/relationships" xmlns:p="http://schemas.openxmlformats.org/presentationml/2006/main">
+  <p:cSld>
+    <p:spTree>
+      <p:nvGrpSpPr>
+        <p:cNvPr id="1" name=""/>
+        <p:cNvGrpSpPr/>
+        <p:nvPr/>
+      </p:nvGrpSpPr>
+      <p:grpSpPr>
+        <a:xfrm>
+          <a:off x="0" y="0"/>
+          <a:ext cx="0" cy="0"/>
+          <a:chOff x="0" y="0"/>
+          <a:chExt cx="0" cy="0"/>
+        </a:xfrm>
+      </p:grpSpPr>
+      <p:sp>
+        <p:nvSpPr>
+          <p:cNvPr id="2" name="제목 1"/>
+          <p:cNvSpPr>
+            <a:spLocks noGrp="1"/>
+          </p:cNvSpPr>
+          <p:nvPr>
+            <p:ph type="title"/>
+          </p:nvPr>
+        </p:nvSpPr>
+        <p:spPr/>
+        <p:txBody>
+          <a:bodyPr/>
+          <a:lstStyle/>
+          <a:p>
+            <a:r>
+              <a:rPr lang="en-US" altLang="ko-KR" dirty="0"/>
+              <a:t>by iconsmind.com</a:t>
+            </a:r>
+            <a:endParaRPr lang="ko-KR" altLang="en-US" dirty="0"/>
+          </a:p>
+        </p:txBody>
+      </p:sp>
+      <p:pic>
+        <p:nvPicPr>
+          <p:cNvPr id="4" name="그림 개체 틀 3"/>
+          <p:cNvPicPr>
+            <a:picLocks noGrp="1" noChangeAspect="1"/>
+          </p:cNvPicPr>
+          <p:nvPr>
+            <p:ph type="pic" sz="quarter" idx="13"/>
+          </p:nvPr>
+        </p:nvPicPr>
+        <p:blipFill>
+          <a:blip r:embed="rId2" cstate="print">
+            <a:extLst>
+              <a:ext uri="{28A0092B-C50C-407E-A947-70E740481C1C}">
+                <a14:useLocalDpi xmlns:a14="http://schemas.microsoft.com/office/drawing/2010/main" val="0"/>
+              </a:ext>
+            </a:extLst>
+          </a:blip>
+          <a:srcRect/>
+          <a:stretch>
+            <a:fillRect/>
+          </a:stretch>
+        </p:blipFill>
+        <p:spPr/>
+      </p:pic>
+    </p:spTree>
+    <p:extLst>
+      <p:ext uri="{BB962C8B-B14F-4D97-AF65-F5344CB8AC3E}">
+        <p14:creationId xmlns:p14="http://schemas.microsoft.com/office/powerpoint/2010/main" val="997836815"/>
+      </p:ext>
+    </p:extLst>
+  </p:cSld>
+  <p:clrMapOvr>
+    <a:masterClrMapping/>
+  </p:clrMapOvr>
+</p:sld>
+</file>
+
+<file path=ppt/slides/slide25.xml><?xml version="1.0" encoding="utf-8"?>
+<p:sld xmlns:a="http://schemas.openxmlformats.org/drawingml/2006/main" xmlns:r="http://schemas.openxmlformats.org/officeDocument/2006/relationships" xmlns:p="http://schemas.openxmlformats.org/presentationml/2006/main">
+  <p:cSld>
+    <p:spTree>
+      <p:nvGrpSpPr>
+        <p:cNvPr id="1" name=""/>
+        <p:cNvGrpSpPr/>
+        <p:nvPr/>
+      </p:nvGrpSpPr>
+      <p:grpSpPr>
+        <a:xfrm>
+          <a:off x="0" y="0"/>
+          <a:ext cx="0" cy="0"/>
+          <a:chOff x="0" y="0"/>
+          <a:chExt cx="0" cy="0"/>
+        </a:xfrm>
+      </p:grpSpPr>
+      <p:sp>
+        <p:nvSpPr>
+          <p:cNvPr id="2" name="제목 1"/>
+          <p:cNvSpPr>
+            <a:spLocks noGrp="1"/>
+          </p:cNvSpPr>
+          <p:nvPr>
+            <p:ph type="title"/>
+          </p:nvPr>
+        </p:nvSpPr>
+        <p:spPr/>
+        <p:txBody>
+          <a:bodyPr/>
+          <a:lstStyle/>
+          <a:p>
+            <a:r>
+              <a:rPr lang="en-US" altLang="ko-KR" dirty="0" smtClean="0"/>
+              <a:t>by </a:t>
+            </a:r>
+            <a:r>
+              <a:rPr lang="en-US" altLang="ko-KR" dirty="0"/>
+              <a:t>iconsmind.com</a:t>
+            </a:r>
+            <a:endParaRPr lang="ko-KR" altLang="en-US" dirty="0"/>
+          </a:p>
+        </p:txBody>
+      </p:sp>
+      <p:pic>
+        <p:nvPicPr>
+          <p:cNvPr id="4" name="그림 개체 틀 3"/>
+          <p:cNvPicPr>
+            <a:picLocks noGrp="1" noChangeAspect="1"/>
+          </p:cNvPicPr>
+          <p:nvPr>
+            <p:ph type="pic" sz="quarter" idx="13"/>
+          </p:nvPr>
+        </p:nvPicPr>
+        <p:blipFill>
+          <a:blip r:embed="rId2" cstate="print">
+            <a:extLst>
+              <a:ext uri="{28A0092B-C50C-407E-A947-70E740481C1C}">
+                <a14:useLocalDpi xmlns:a14="http://schemas.microsoft.com/office/drawing/2010/main" val="0"/>
+              </a:ext>
+            </a:extLst>
+          </a:blip>
+          <a:srcRect/>
+          <a:stretch>
+            <a:fillRect/>
+          </a:stretch>
+        </p:blipFill>
+        <p:spPr/>
+      </p:pic>
+    </p:spTree>
+    <p:extLst>
+      <p:ext uri="{BB962C8B-B14F-4D97-AF65-F5344CB8AC3E}">
+        <p14:creationId xmlns:p14="http://schemas.microsoft.com/office/powerpoint/2010/main" val="1338257832"/>
+      </p:ext>
+    </p:extLst>
+  </p:cSld>
+  <p:clrMapOvr>
+    <a:masterClrMapping/>
+  </p:clrMapOvr>
+</p:sld>
+</file>
+
+<file path=ppt/slides/slide26.xml><?xml version="1.0" encoding="utf-8"?>
+<p:sld xmlns:a="http://schemas.openxmlformats.org/drawingml/2006/main" xmlns:r="http://schemas.openxmlformats.org/officeDocument/2006/relationships" xmlns:p="http://schemas.openxmlformats.org/presentationml/2006/main">
+  <p:cSld>
+    <p:spTree>
+      <p:nvGrpSpPr>
+        <p:cNvPr id="1" name=""/>
+        <p:cNvGrpSpPr/>
+        <p:nvPr/>
+      </p:nvGrpSpPr>
+      <p:grpSpPr>
+        <a:xfrm>
+          <a:off x="0" y="0"/>
+          <a:ext cx="0" cy="0"/>
+          <a:chOff x="0" y="0"/>
+          <a:chExt cx="0" cy="0"/>
+        </a:xfrm>
+      </p:grpSpPr>
+      <p:sp>
+        <p:nvSpPr>
+          <p:cNvPr id="2" name="제목 1"/>
+          <p:cNvSpPr>
+            <a:spLocks noGrp="1"/>
+          </p:cNvSpPr>
+          <p:nvPr>
+            <p:ph type="title"/>
+          </p:nvPr>
+        </p:nvSpPr>
+        <p:spPr/>
+        <p:txBody>
+          <a:bodyPr/>
+          <a:lstStyle/>
+          <a:p>
+            <a:r>
+              <a:rPr lang="en-US" altLang="ko-KR" dirty="0"/>
+              <a:t>by iconsmind.com</a:t>
+            </a:r>
+            <a:endParaRPr lang="ko-KR" altLang="en-US" dirty="0"/>
+          </a:p>
+        </p:txBody>
+      </p:sp>
+      <p:pic>
+        <p:nvPicPr>
+          <p:cNvPr id="4" name="그림 개체 틀 3"/>
+          <p:cNvPicPr>
+            <a:picLocks noGrp="1" noChangeAspect="1"/>
+          </p:cNvPicPr>
+          <p:nvPr>
+            <p:ph type="pic" sz="quarter" idx="13"/>
+          </p:nvPr>
+        </p:nvPicPr>
+        <p:blipFill>
+          <a:blip r:embed="rId2" cstate="print">
+            <a:extLst>
+              <a:ext uri="{28A0092B-C50C-407E-A947-70E740481C1C}">
+                <a14:useLocalDpi xmlns:a14="http://schemas.microsoft.com/office/drawing/2010/main" val="0"/>
+              </a:ext>
+            </a:extLst>
+          </a:blip>
+          <a:srcRect/>
+          <a:stretch>
+            <a:fillRect/>
+          </a:stretch>
+        </p:blipFill>
+        <p:spPr/>
+      </p:pic>
+    </p:spTree>
+    <p:extLst>
+      <p:ext uri="{BB962C8B-B14F-4D97-AF65-F5344CB8AC3E}">
+        <p14:creationId xmlns:p14="http://schemas.microsoft.com/office/powerpoint/2010/main" val="1161786769"/>
+      </p:ext>
+    </p:extLst>
+  </p:cSld>
+  <p:clrMapOvr>
+    <a:masterClrMapping/>
+  </p:clrMapOvr>
+</p:sld>
+</file>
+
+<file path=ppt/slides/slide27.xml><?xml version="1.0" encoding="utf-8"?>
+<p:sld xmlns:a="http://schemas.openxmlformats.org/drawingml/2006/main" xmlns:r="http://schemas.openxmlformats.org/officeDocument/2006/relationships" xmlns:p="http://schemas.openxmlformats.org/presentationml/2006/main">
+  <p:cSld>
+    <p:spTree>
+      <p:nvGrpSpPr>
+        <p:cNvPr id="1" name=""/>
+        <p:cNvGrpSpPr/>
+        <p:nvPr/>
+      </p:nvGrpSpPr>
+      <p:grpSpPr>
+        <a:xfrm>
+          <a:off x="0" y="0"/>
+          <a:ext cx="0" cy="0"/>
+          <a:chOff x="0" y="0"/>
+          <a:chExt cx="0" cy="0"/>
+        </a:xfrm>
+      </p:grpSpPr>
+      <p:sp>
+        <p:nvSpPr>
+          <p:cNvPr id="2" name="제목 1"/>
+          <p:cNvSpPr>
+            <a:spLocks noGrp="1"/>
+          </p:cNvSpPr>
+          <p:nvPr>
+            <p:ph type="title"/>
+          </p:nvPr>
+        </p:nvSpPr>
+        <p:spPr/>
+        <p:txBody>
+          <a:bodyPr/>
+          <a:lstStyle/>
+          <a:p>
+            <a:r>
+              <a:rPr lang="en-US" altLang="ko-KR" dirty="0"/>
+              <a:t>icon by Diego Naive</a:t>
+            </a:r>
+            <a:endParaRPr lang="ko-KR" altLang="en-US" dirty="0"/>
+          </a:p>
+        </p:txBody>
+      </p:sp>
+      <p:pic>
+        <p:nvPicPr>
+          <p:cNvPr id="4" name="그림 개체 틀 3"/>
+          <p:cNvPicPr>
+            <a:picLocks noGrp="1" noChangeAspect="1"/>
+          </p:cNvPicPr>
+          <p:nvPr>
+            <p:ph type="pic" sz="quarter" idx="13"/>
+          </p:nvPr>
+        </p:nvPicPr>
+        <p:blipFill>
+          <a:blip r:embed="rId2" cstate="print">
+            <a:extLst>
+              <a:ext uri="{28A0092B-C50C-407E-A947-70E740481C1C}">
+                <a14:useLocalDpi xmlns:a14="http://schemas.microsoft.com/office/drawing/2010/main" val="0"/>
+              </a:ext>
+            </a:extLst>
+          </a:blip>
+          <a:srcRect/>
+          <a:stretch>
+            <a:fillRect/>
+          </a:stretch>
+        </p:blipFill>
+        <p:spPr/>
+      </p:pic>
+    </p:spTree>
+    <p:extLst>
+      <p:ext uri="{BB962C8B-B14F-4D97-AF65-F5344CB8AC3E}">
+        <p14:creationId xmlns:p14="http://schemas.microsoft.com/office/powerpoint/2010/main" val="79819491"/>
+      </p:ext>
+    </p:extLst>
+  </p:cSld>
+  <p:clrMapOvr>
+    <a:masterClrMapping/>
+  </p:clrMapOvr>
+</p:sld>
+</file>
+
+<file path=ppt/slides/slide28.xml><?xml version="1.0" encoding="utf-8"?>
+<p:sld xmlns:a="http://schemas.openxmlformats.org/drawingml/2006/main" xmlns:r="http://schemas.openxmlformats.org/officeDocument/2006/relationships" xmlns:p="http://schemas.openxmlformats.org/presentationml/2006/main">
+  <p:cSld>
+    <p:spTree>
+      <p:nvGrpSpPr>
+        <p:cNvPr id="1" name=""/>
+        <p:cNvGrpSpPr/>
+        <p:nvPr/>
+      </p:nvGrpSpPr>
+      <p:grpSpPr>
+        <a:xfrm>
+          <a:off x="0" y="0"/>
+          <a:ext cx="0" cy="0"/>
+          <a:chOff x="0" y="0"/>
+          <a:chExt cx="0" cy="0"/>
+        </a:xfrm>
+      </p:grpSpPr>
+      <p:sp>
+        <p:nvSpPr>
+          <p:cNvPr id="2" name="제목 1"/>
+          <p:cNvSpPr>
+            <a:spLocks noGrp="1"/>
+          </p:cNvSpPr>
+          <p:nvPr>
+            <p:ph type="title"/>
+          </p:nvPr>
+        </p:nvSpPr>
+        <p:spPr/>
+        <p:txBody>
+          <a:bodyPr/>
+          <a:lstStyle/>
+          <a:p>
+            <a:r>
+              <a:rPr lang="en-US" altLang="ko-KR" dirty="0"/>
+              <a:t>by Juan Pablo </a:t>
+            </a:r>
+            <a:r>
+              <a:rPr lang="en-US" altLang="ko-KR" dirty="0" smtClean="0"/>
+              <a:t>Bravo</a:t>
+            </a:r>
+            <a:endParaRPr lang="ko-KR" altLang="en-US" dirty="0"/>
+          </a:p>
+        </p:txBody>
+      </p:sp>
+      <p:pic>
+        <p:nvPicPr>
+          <p:cNvPr id="4" name="그림 개체 틀 3"/>
+          <p:cNvPicPr>
+            <a:picLocks noGrp="1" noChangeAspect="1"/>
+          </p:cNvPicPr>
+          <p:nvPr>
+            <p:ph type="pic" sz="quarter" idx="13"/>
+          </p:nvPr>
+        </p:nvPicPr>
+        <p:blipFill>
+          <a:blip r:embed="rId2" cstate="print">
+            <a:extLst>
+              <a:ext uri="{28A0092B-C50C-407E-A947-70E740481C1C}">
+                <a14:useLocalDpi xmlns:a14="http://schemas.microsoft.com/office/drawing/2010/main" val="0"/>
+              </a:ext>
+            </a:extLst>
+          </a:blip>
+          <a:srcRect/>
+          <a:stretch>
+            <a:fillRect/>
+          </a:stretch>
+        </p:blipFill>
+        <p:spPr/>
+      </p:pic>
+    </p:spTree>
+    <p:extLst>
+      <p:ext uri="{BB962C8B-B14F-4D97-AF65-F5344CB8AC3E}">
+        <p14:creationId xmlns:p14="http://schemas.microsoft.com/office/powerpoint/2010/main" val="1483022396"/>
+      </p:ext>
+    </p:extLst>
+  </p:cSld>
+  <p:clrMapOvr>
+    <a:masterClrMapping/>
+  </p:clrMapOvr>
+</p:sld>
+</file>
+
+<file path=ppt/slides/slide29.xml><?xml version="1.0" encoding="utf-8"?>
+<p:sld xmlns:a="http://schemas.openxmlformats.org/drawingml/2006/main" xmlns:r="http://schemas.openxmlformats.org/officeDocument/2006/relationships" xmlns:p="http://schemas.openxmlformats.org/presentationml/2006/main">
+  <p:cSld>
+    <p:spTree>
+      <p:nvGrpSpPr>
+        <p:cNvPr id="1" name=""/>
+        <p:cNvGrpSpPr/>
+        <p:nvPr/>
+      </p:nvGrpSpPr>
+      <p:grpSpPr>
+        <a:xfrm>
+          <a:off x="0" y="0"/>
+          <a:ext cx="0" cy="0"/>
+          <a:chOff x="0" y="0"/>
+          <a:chExt cx="0" cy="0"/>
+        </a:xfrm>
+      </p:grpSpPr>
+      <p:sp>
+        <p:nvSpPr>
+          <p:cNvPr id="2" name="제목 1"/>
+          <p:cNvSpPr>
+            <a:spLocks noGrp="1"/>
+          </p:cNvSpPr>
+          <p:nvPr>
+            <p:ph type="title"/>
+          </p:nvPr>
+        </p:nvSpPr>
+        <p:spPr/>
+        <p:txBody>
+          <a:bodyPr/>
+          <a:lstStyle/>
+          <a:p>
+            <a:r>
+              <a:rPr lang="en-US" altLang="ko-KR" dirty="0"/>
+              <a:t>Created by </a:t>
+            </a:r>
+            <a:r>
+              <a:rPr lang="en-US" altLang="ko-KR" dirty="0">
+                <a:hlinkClick r:id="rId2"/>
+              </a:rPr>
+              <a:t>Nicole Regan</a:t>
+            </a:r>
+            <a:endParaRPr lang="ko-KR" altLang="en-US" dirty="0"/>
+          </a:p>
+        </p:txBody>
+      </p:sp>
+      <p:pic>
+        <p:nvPicPr>
+          <p:cNvPr id="4" name="그림 개체 틀 3"/>
+          <p:cNvPicPr>
+            <a:picLocks noGrp="1" noChangeAspect="1"/>
+          </p:cNvPicPr>
+          <p:nvPr>
+            <p:ph type="pic" sz="quarter" idx="13"/>
+          </p:nvPr>
+        </p:nvPicPr>
+        <p:blipFill>
+          <a:blip r:embed="rId3" cstate="print">
+            <a:extLst>
+              <a:ext uri="{28A0092B-C50C-407E-A947-70E740481C1C}">
+                <a14:useLocalDpi xmlns:a14="http://schemas.microsoft.com/office/drawing/2010/main" val="0"/>
+              </a:ext>
+            </a:extLst>
+          </a:blip>
+          <a:srcRect/>
+          <a:stretch>
+            <a:fillRect/>
+          </a:stretch>
+        </p:blipFill>
+        <p:spPr/>
+      </p:pic>
+    </p:spTree>
+    <p:extLst>
+      <p:ext uri="{BB962C8B-B14F-4D97-AF65-F5344CB8AC3E}">
+        <p14:creationId xmlns:p14="http://schemas.microsoft.com/office/powerpoint/2010/main" val="3126488996"/>
+      </p:ext>
+    </p:extLst>
+  </p:cSld>
+  <p:clrMapOvr>
+    <a:masterClrMapping/>
+  </p:clrMapOvr>
+</p:sld>
+</file>
+
 <file path=ppt/slides/slide3.xml><?xml version="1.0" encoding="utf-8"?>
 <p:sld xmlns:a="http://schemas.openxmlformats.org/drawingml/2006/main" xmlns:r="http://schemas.openxmlformats.org/officeDocument/2006/relationships" xmlns:p="http://schemas.openxmlformats.org/presentationml/2006/main">
   <p:cSld>

--- a/presentation/credit.pptx
+++ b/presentation/credit.pptx
@@ -34,6 +34,10 @@
     <p:sldId id="284" r:id="rId28"/>
     <p:sldId id="285" r:id="rId29"/>
     <p:sldId id="286" r:id="rId30"/>
+    <p:sldId id="287" r:id="rId31"/>
+    <p:sldId id="288" r:id="rId32"/>
+    <p:sldId id="289" r:id="rId33"/>
+    <p:sldId id="290" r:id="rId34"/>
   </p:sldIdLst>
   <p:sldSz cx="12192000" cy="6858000"/>
   <p:notesSz cx="6858000" cy="9144000"/>
@@ -271,7 +275,7 @@
           <a:p>
             <a:fld id="{47FBABC7-F946-4B58-B56F-B35BD43FEC76}" type="datetimeFigureOut">
               <a:rPr lang="ko-KR" altLang="en-US" smtClean="0"/>
-              <a:t>2014-12-15</a:t>
+              <a:t>2014-12-23</a:t>
             </a:fld>
             <a:endParaRPr lang="ko-KR" altLang="en-US"/>
           </a:p>
@@ -524,7 +528,7 @@
           <a:p>
             <a:fld id="{47FBABC7-F946-4B58-B56F-B35BD43FEC76}" type="datetimeFigureOut">
               <a:rPr lang="ko-KR" altLang="en-US" smtClean="0"/>
-              <a:t>2014-12-15</a:t>
+              <a:t>2014-12-23</a:t>
             </a:fld>
             <a:endParaRPr lang="ko-KR" altLang="en-US"/>
           </a:p>
@@ -694,7 +698,7 @@
           <a:p>
             <a:fld id="{47FBABC7-F946-4B58-B56F-B35BD43FEC76}" type="datetimeFigureOut">
               <a:rPr lang="ko-KR" altLang="en-US" smtClean="0"/>
-              <a:t>2014-12-15</a:t>
+              <a:t>2014-12-23</a:t>
             </a:fld>
             <a:endParaRPr lang="ko-KR" altLang="en-US"/>
           </a:p>
@@ -874,7 +878,7 @@
           <a:p>
             <a:fld id="{47FBABC7-F946-4B58-B56F-B35BD43FEC76}" type="datetimeFigureOut">
               <a:rPr lang="ko-KR" altLang="en-US" smtClean="0"/>
-              <a:t>2014-12-15</a:t>
+              <a:t>2014-12-23</a:t>
             </a:fld>
             <a:endParaRPr lang="ko-KR" altLang="en-US"/>
           </a:p>
@@ -1044,7 +1048,7 @@
           <a:p>
             <a:fld id="{47FBABC7-F946-4B58-B56F-B35BD43FEC76}" type="datetimeFigureOut">
               <a:rPr lang="ko-KR" altLang="en-US" smtClean="0"/>
-              <a:t>2014-12-15</a:t>
+              <a:t>2014-12-23</a:t>
             </a:fld>
             <a:endParaRPr lang="ko-KR" altLang="en-US"/>
           </a:p>
@@ -1173,7 +1177,7 @@
           <a:p>
             <a:fld id="{47FBABC7-F946-4B58-B56F-B35BD43FEC76}" type="datetimeFigureOut">
               <a:rPr lang="ko-KR" altLang="en-US" smtClean="0"/>
-              <a:t>2014-12-15</a:t>
+              <a:t>2014-12-23</a:t>
             </a:fld>
             <a:endParaRPr lang="ko-KR" altLang="en-US"/>
           </a:p>
@@ -1474,7 +1478,7 @@
           <a:p>
             <a:fld id="{47FBABC7-F946-4B58-B56F-B35BD43FEC76}" type="datetimeFigureOut">
               <a:rPr lang="ko-KR" altLang="en-US" smtClean="0"/>
-              <a:t>2014-12-15</a:t>
+              <a:t>2014-12-23</a:t>
             </a:fld>
             <a:endParaRPr lang="ko-KR" altLang="en-US"/>
           </a:p>
@@ -1706,7 +1710,7 @@
           <a:p>
             <a:fld id="{47FBABC7-F946-4B58-B56F-B35BD43FEC76}" type="datetimeFigureOut">
               <a:rPr lang="ko-KR" altLang="en-US" smtClean="0"/>
-              <a:t>2014-12-15</a:t>
+              <a:t>2014-12-23</a:t>
             </a:fld>
             <a:endParaRPr lang="ko-KR" altLang="en-US"/>
           </a:p>
@@ -2073,7 +2077,7 @@
           <a:p>
             <a:fld id="{47FBABC7-F946-4B58-B56F-B35BD43FEC76}" type="datetimeFigureOut">
               <a:rPr lang="ko-KR" altLang="en-US" smtClean="0"/>
-              <a:t>2014-12-15</a:t>
+              <a:t>2014-12-23</a:t>
             </a:fld>
             <a:endParaRPr lang="ko-KR" altLang="en-US"/>
           </a:p>
@@ -2191,7 +2195,7 @@
           <a:p>
             <a:fld id="{47FBABC7-F946-4B58-B56F-B35BD43FEC76}" type="datetimeFigureOut">
               <a:rPr lang="ko-KR" altLang="en-US" smtClean="0"/>
-              <a:t>2014-12-15</a:t>
+              <a:t>2014-12-23</a:t>
             </a:fld>
             <a:endParaRPr lang="ko-KR" altLang="en-US"/>
           </a:p>
@@ -2286,7 +2290,7 @@
           <a:p>
             <a:fld id="{47FBABC7-F946-4B58-B56F-B35BD43FEC76}" type="datetimeFigureOut">
               <a:rPr lang="ko-KR" altLang="en-US" smtClean="0"/>
-              <a:t>2014-12-15</a:t>
+              <a:t>2014-12-23</a:t>
             </a:fld>
             <a:endParaRPr lang="ko-KR" altLang="en-US"/>
           </a:p>
@@ -2563,7 +2567,7 @@
           <a:p>
             <a:fld id="{47FBABC7-F946-4B58-B56F-B35BD43FEC76}" type="datetimeFigureOut">
               <a:rPr lang="ko-KR" altLang="en-US" smtClean="0"/>
-              <a:t>2014-12-15</a:t>
+              <a:t>2014-12-23</a:t>
             </a:fld>
             <a:endParaRPr lang="ko-KR" altLang="en-US"/>
           </a:p>
@@ -2776,7 +2780,7 @@
           <a:p>
             <a:fld id="{47FBABC7-F946-4B58-B56F-B35BD43FEC76}" type="datetimeFigureOut">
               <a:rPr lang="ko-KR" altLang="en-US" smtClean="0"/>
-              <a:t>2014-12-15</a:t>
+              <a:t>2014-12-23</a:t>
             </a:fld>
             <a:endParaRPr lang="ko-KR" altLang="en-US"/>
           </a:p>
@@ -5369,6 +5373,333 @@
 </p:sld>
 </file>
 
+<file path=ppt/slides/slide30.xml><?xml version="1.0" encoding="utf-8"?>
+<p:sld xmlns:a="http://schemas.openxmlformats.org/drawingml/2006/main" xmlns:r="http://schemas.openxmlformats.org/officeDocument/2006/relationships" xmlns:p="http://schemas.openxmlformats.org/presentationml/2006/main">
+  <p:cSld>
+    <p:spTree>
+      <p:nvGrpSpPr>
+        <p:cNvPr id="1" name=""/>
+        <p:cNvGrpSpPr/>
+        <p:nvPr/>
+      </p:nvGrpSpPr>
+      <p:grpSpPr>
+        <a:xfrm>
+          <a:off x="0" y="0"/>
+          <a:ext cx="0" cy="0"/>
+          <a:chOff x="0" y="0"/>
+          <a:chExt cx="0" cy="0"/>
+        </a:xfrm>
+      </p:grpSpPr>
+      <p:sp>
+        <p:nvSpPr>
+          <p:cNvPr id="2" name="제목 1"/>
+          <p:cNvSpPr>
+            <a:spLocks noGrp="1"/>
+          </p:cNvSpPr>
+          <p:nvPr>
+            <p:ph type="title"/>
+          </p:nvPr>
+        </p:nvSpPr>
+        <p:spPr/>
+        <p:txBody>
+          <a:bodyPr/>
+          <a:lstStyle/>
+          <a:p>
+            <a:r>
+              <a:rPr lang="en-US" altLang="ko-KR" dirty="0"/>
+              <a:t>by Gabriela </a:t>
+            </a:r>
+            <a:r>
+              <a:rPr lang="en-US" altLang="ko-KR" dirty="0" err="1"/>
+              <a:t>Muñiz</a:t>
+            </a:r>
+            <a:r>
+              <a:rPr lang="en-US" altLang="ko-KR" dirty="0"/>
+              <a:t/>
+            </a:r>
+            <a:br>
+              <a:rPr lang="en-US" altLang="ko-KR" dirty="0"/>
+            </a:br>
+            <a:endParaRPr lang="ko-KR" altLang="en-US" dirty="0"/>
+          </a:p>
+        </p:txBody>
+      </p:sp>
+      <p:pic>
+        <p:nvPicPr>
+          <p:cNvPr id="4" name="그림 개체 틀 3"/>
+          <p:cNvPicPr>
+            <a:picLocks noGrp="1" noChangeAspect="1"/>
+          </p:cNvPicPr>
+          <p:nvPr>
+            <p:ph type="pic" sz="quarter" idx="13"/>
+          </p:nvPr>
+        </p:nvPicPr>
+        <p:blipFill>
+          <a:blip r:embed="rId2" cstate="print">
+            <a:extLst>
+              <a:ext uri="{28A0092B-C50C-407E-A947-70E740481C1C}">
+                <a14:useLocalDpi xmlns:a14="http://schemas.microsoft.com/office/drawing/2010/main" val="0"/>
+              </a:ext>
+            </a:extLst>
+          </a:blip>
+          <a:srcRect/>
+          <a:stretch>
+            <a:fillRect/>
+          </a:stretch>
+        </p:blipFill>
+        <p:spPr/>
+      </p:pic>
+    </p:spTree>
+    <p:extLst>
+      <p:ext uri="{BB962C8B-B14F-4D97-AF65-F5344CB8AC3E}">
+        <p14:creationId xmlns:p14="http://schemas.microsoft.com/office/powerpoint/2010/main" val="1038069335"/>
+      </p:ext>
+    </p:extLst>
+  </p:cSld>
+  <p:clrMapOvr>
+    <a:masterClrMapping/>
+  </p:clrMapOvr>
+</p:sld>
+</file>
+
+<file path=ppt/slides/slide31.xml><?xml version="1.0" encoding="utf-8"?>
+<p:sld xmlns:a="http://schemas.openxmlformats.org/drawingml/2006/main" xmlns:r="http://schemas.openxmlformats.org/officeDocument/2006/relationships" xmlns:p="http://schemas.openxmlformats.org/presentationml/2006/main">
+  <p:cSld>
+    <p:spTree>
+      <p:nvGrpSpPr>
+        <p:cNvPr id="1" name=""/>
+        <p:cNvGrpSpPr/>
+        <p:nvPr/>
+      </p:nvGrpSpPr>
+      <p:grpSpPr>
+        <a:xfrm>
+          <a:off x="0" y="0"/>
+          <a:ext cx="0" cy="0"/>
+          <a:chOff x="0" y="0"/>
+          <a:chExt cx="0" cy="0"/>
+        </a:xfrm>
+      </p:grpSpPr>
+      <p:sp>
+        <p:nvSpPr>
+          <p:cNvPr id="2" name="제목 1"/>
+          <p:cNvSpPr>
+            <a:spLocks noGrp="1"/>
+          </p:cNvSpPr>
+          <p:nvPr>
+            <p:ph type="title"/>
+          </p:nvPr>
+        </p:nvSpPr>
+        <p:spPr/>
+        <p:txBody>
+          <a:bodyPr/>
+          <a:lstStyle/>
+          <a:p>
+            <a:r>
+              <a:rPr lang="en-US" altLang="ko-KR" dirty="0"/>
+              <a:t>icon by Eric M. Ellis</a:t>
+            </a:r>
+            <a:br>
+              <a:rPr lang="en-US" altLang="ko-KR" dirty="0"/>
+            </a:br>
+            <a:endParaRPr lang="ko-KR" altLang="en-US" dirty="0"/>
+          </a:p>
+        </p:txBody>
+      </p:sp>
+      <p:pic>
+        <p:nvPicPr>
+          <p:cNvPr id="4" name="그림 개체 틀 3"/>
+          <p:cNvPicPr>
+            <a:picLocks noGrp="1" noChangeAspect="1"/>
+          </p:cNvPicPr>
+          <p:nvPr>
+            <p:ph type="pic" sz="quarter" idx="13"/>
+          </p:nvPr>
+        </p:nvPicPr>
+        <p:blipFill>
+          <a:blip r:embed="rId2" cstate="print">
+            <a:extLst>
+              <a:ext uri="{28A0092B-C50C-407E-A947-70E740481C1C}">
+                <a14:useLocalDpi xmlns:a14="http://schemas.microsoft.com/office/drawing/2010/main" val="0"/>
+              </a:ext>
+            </a:extLst>
+          </a:blip>
+          <a:srcRect/>
+          <a:stretch>
+            <a:fillRect/>
+          </a:stretch>
+        </p:blipFill>
+        <p:spPr/>
+      </p:pic>
+    </p:spTree>
+    <p:extLst>
+      <p:ext uri="{BB962C8B-B14F-4D97-AF65-F5344CB8AC3E}">
+        <p14:creationId xmlns:p14="http://schemas.microsoft.com/office/powerpoint/2010/main" val="3714138876"/>
+      </p:ext>
+    </p:extLst>
+  </p:cSld>
+  <p:clrMapOvr>
+    <a:masterClrMapping/>
+  </p:clrMapOvr>
+</p:sld>
+</file>
+
+<file path=ppt/slides/slide32.xml><?xml version="1.0" encoding="utf-8"?>
+<p:sld xmlns:a="http://schemas.openxmlformats.org/drawingml/2006/main" xmlns:r="http://schemas.openxmlformats.org/officeDocument/2006/relationships" xmlns:p="http://schemas.openxmlformats.org/presentationml/2006/main">
+  <p:cSld>
+    <p:spTree>
+      <p:nvGrpSpPr>
+        <p:cNvPr id="1" name=""/>
+        <p:cNvGrpSpPr/>
+        <p:nvPr/>
+      </p:nvGrpSpPr>
+      <p:grpSpPr>
+        <a:xfrm>
+          <a:off x="0" y="0"/>
+          <a:ext cx="0" cy="0"/>
+          <a:chOff x="0" y="0"/>
+          <a:chExt cx="0" cy="0"/>
+        </a:xfrm>
+      </p:grpSpPr>
+      <p:sp>
+        <p:nvSpPr>
+          <p:cNvPr id="2" name="제목 1"/>
+          <p:cNvSpPr>
+            <a:spLocks noGrp="1"/>
+          </p:cNvSpPr>
+          <p:nvPr>
+            <p:ph type="title"/>
+          </p:nvPr>
+        </p:nvSpPr>
+        <p:spPr/>
+        <p:txBody>
+          <a:bodyPr/>
+          <a:lstStyle/>
+          <a:p>
+            <a:r>
+              <a:rPr lang="en-US" altLang="ko-KR" dirty="0"/>
+              <a:t>by </a:t>
+            </a:r>
+            <a:r>
+              <a:rPr lang="en-US" altLang="ko-KR" dirty="0" err="1"/>
+              <a:t>shaheen</a:t>
+            </a:r>
+            <a:r>
+              <a:rPr lang="en-US" altLang="ko-KR" dirty="0"/>
+              <a:t/>
+            </a:r>
+            <a:br>
+              <a:rPr lang="en-US" altLang="ko-KR" dirty="0"/>
+            </a:br>
+            <a:endParaRPr lang="ko-KR" altLang="en-US" dirty="0"/>
+          </a:p>
+        </p:txBody>
+      </p:sp>
+      <p:pic>
+        <p:nvPicPr>
+          <p:cNvPr id="4" name="그림 개체 틀 3"/>
+          <p:cNvPicPr>
+            <a:picLocks noGrp="1" noChangeAspect="1"/>
+          </p:cNvPicPr>
+          <p:nvPr>
+            <p:ph type="pic" sz="quarter" idx="13"/>
+          </p:nvPr>
+        </p:nvPicPr>
+        <p:blipFill>
+          <a:blip r:embed="rId2" cstate="print">
+            <a:extLst>
+              <a:ext uri="{28A0092B-C50C-407E-A947-70E740481C1C}">
+                <a14:useLocalDpi xmlns:a14="http://schemas.microsoft.com/office/drawing/2010/main" val="0"/>
+              </a:ext>
+            </a:extLst>
+          </a:blip>
+          <a:srcRect/>
+          <a:stretch>
+            <a:fillRect/>
+          </a:stretch>
+        </p:blipFill>
+        <p:spPr/>
+      </p:pic>
+    </p:spTree>
+    <p:extLst>
+      <p:ext uri="{BB962C8B-B14F-4D97-AF65-F5344CB8AC3E}">
+        <p14:creationId xmlns:p14="http://schemas.microsoft.com/office/powerpoint/2010/main" val="631664797"/>
+      </p:ext>
+    </p:extLst>
+  </p:cSld>
+  <p:clrMapOvr>
+    <a:masterClrMapping/>
+  </p:clrMapOvr>
+  <p:timing>
+    <p:tnLst>
+      <p:par>
+        <p:cTn id="1" dur="indefinite" restart="never" nodeType="tmRoot"/>
+      </p:par>
+    </p:tnLst>
+  </p:timing>
+</p:sld>
+</file>
+
+<file path=ppt/slides/slide33.xml><?xml version="1.0" encoding="utf-8"?>
+<p:sld xmlns:a="http://schemas.openxmlformats.org/drawingml/2006/main" xmlns:r="http://schemas.openxmlformats.org/officeDocument/2006/relationships" xmlns:p="http://schemas.openxmlformats.org/presentationml/2006/main">
+  <p:cSld>
+    <p:spTree>
+      <p:nvGrpSpPr>
+        <p:cNvPr id="1" name=""/>
+        <p:cNvGrpSpPr/>
+        <p:nvPr/>
+      </p:nvGrpSpPr>
+      <p:grpSpPr>
+        <a:xfrm>
+          <a:off x="0" y="0"/>
+          <a:ext cx="0" cy="0"/>
+          <a:chOff x="0" y="0"/>
+          <a:chExt cx="0" cy="0"/>
+        </a:xfrm>
+      </p:grpSpPr>
+      <p:sp>
+        <p:nvSpPr>
+          <p:cNvPr id="2" name="제목 1"/>
+          <p:cNvSpPr>
+            <a:spLocks noGrp="1"/>
+          </p:cNvSpPr>
+          <p:nvPr>
+            <p:ph type="title"/>
+          </p:nvPr>
+        </p:nvSpPr>
+        <p:spPr/>
+        <p:txBody>
+          <a:bodyPr/>
+          <a:lstStyle/>
+          <a:p>
+            <a:endParaRPr lang="ko-KR" altLang="en-US"/>
+          </a:p>
+        </p:txBody>
+      </p:sp>
+      <p:sp>
+        <p:nvSpPr>
+          <p:cNvPr id="3" name="그림 개체 틀 2"/>
+          <p:cNvSpPr>
+            <a:spLocks noGrp="1"/>
+          </p:cNvSpPr>
+          <p:nvPr>
+            <p:ph type="pic" sz="quarter" idx="13"/>
+          </p:nvPr>
+        </p:nvSpPr>
+        <p:spPr/>
+      </p:sp>
+    </p:spTree>
+    <p:extLst>
+      <p:ext uri="{BB962C8B-B14F-4D97-AF65-F5344CB8AC3E}">
+        <p14:creationId xmlns:p14="http://schemas.microsoft.com/office/powerpoint/2010/main" val="3853928791"/>
+      </p:ext>
+    </p:extLst>
+  </p:cSld>
+  <p:clrMapOvr>
+    <a:masterClrMapping/>
+  </p:clrMapOvr>
+</p:sld>
+</file>
+
 <file path=ppt/slides/slide4.xml><?xml version="1.0" encoding="utf-8"?>
 <p:sld xmlns:a="http://schemas.openxmlformats.org/drawingml/2006/main" xmlns:r="http://schemas.openxmlformats.org/officeDocument/2006/relationships" xmlns:p="http://schemas.openxmlformats.org/presentationml/2006/main">
   <p:cSld>
